--- a/Apresentação .pptx
+++ b/Apresentação .pptx
@@ -5,7 +5,7 @@
     <p:sldMasterId id="2147483672" r:id="rId1"/>
   </p:sldMasterIdLst>
   <p:notesMasterIdLst>
-    <p:notesMasterId r:id="rId11"/>
+    <p:notesMasterId r:id="rId12"/>
   </p:notesMasterIdLst>
   <p:sldIdLst>
     <p:sldId id="256" r:id="rId2"/>
@@ -17,30 +17,31 @@
     <p:sldId id="300" r:id="rId8"/>
     <p:sldId id="301" r:id="rId9"/>
     <p:sldId id="302" r:id="rId10"/>
+    <p:sldId id="303" r:id="rId11"/>
   </p:sldIdLst>
   <p:sldSz cx="9144000" cy="5143500" type="screen16x9"/>
   <p:notesSz cx="6858000" cy="9144000"/>
   <p:embeddedFontLst>
     <p:embeddedFont>
+      <p:font typeface="Antonio" panose="020B0604020202020204" charset="0"/>
+      <p:regular r:id="rId13"/>
+      <p:bold r:id="rId14"/>
+    </p:embeddedFont>
+    <p:embeddedFont>
       <p:font typeface="Space Mono" panose="020B0604020202020204" charset="0"/>
-      <p:regular r:id="rId12"/>
-      <p:bold r:id="rId13"/>
-      <p:italic r:id="rId14"/>
-      <p:boldItalic r:id="rId15"/>
+      <p:regular r:id="rId15"/>
+      <p:bold r:id="rId16"/>
+      <p:italic r:id="rId17"/>
+      <p:boldItalic r:id="rId18"/>
     </p:embeddedFont>
     <p:embeddedFont>
       <p:font typeface="Antonio Medium" panose="020B0604020202020204" charset="0"/>
-      <p:regular r:id="rId16"/>
-      <p:bold r:id="rId17"/>
-    </p:embeddedFont>
-    <p:embeddedFont>
-      <p:font typeface="Antonio" panose="020B0604020202020204" charset="0"/>
-      <p:regular r:id="rId18"/>
-      <p:bold r:id="rId19"/>
+      <p:regular r:id="rId19"/>
+      <p:bold r:id="rId20"/>
     </p:embeddedFont>
     <p:embeddedFont>
       <p:font typeface="Bebas Neue" panose="020B0604020202020204" charset="0"/>
-      <p:regular r:id="rId20"/>
+      <p:regular r:id="rId21"/>
     </p:embeddedFont>
   </p:embeddedFontLst>
   <p:defaultTextStyle>
@@ -826,6 +827,115 @@
     <p:extLst>
       <p:ext uri="{BB962C8B-B14F-4D97-AF65-F5344CB8AC3E}">
         <p14:creationId xmlns:p14="http://schemas.microsoft.com/office/powerpoint/2010/main" val="2912838559"/>
+      </p:ext>
+    </p:extLst>
+  </p:cSld>
+  <p:clrMapOvr>
+    <a:masterClrMapping/>
+  </p:clrMapOvr>
+</p:notes>
+</file>
+
+<file path=ppt/notesSlides/notesSlide10.xml><?xml version="1.0" encoding="utf-8"?>
+<p:notes xmlns:a="http://schemas.openxmlformats.org/drawingml/2006/main" xmlns:r="http://schemas.openxmlformats.org/officeDocument/2006/relationships" xmlns:p="http://schemas.openxmlformats.org/presentationml/2006/main" showMasterSp="0" showMasterPhAnim="0">
+  <p:cSld>
+    <p:spTree>
+      <p:nvGrpSpPr>
+        <p:cNvPr id="1" name="Shape 345"/>
+        <p:cNvGrpSpPr/>
+        <p:nvPr/>
+      </p:nvGrpSpPr>
+      <p:grpSpPr>
+        <a:xfrm>
+          <a:off x="0" y="0"/>
+          <a:ext cx="0" cy="0"/>
+          <a:chOff x="0" y="0"/>
+          <a:chExt cx="0" cy="0"/>
+        </a:xfrm>
+      </p:grpSpPr>
+      <p:sp>
+        <p:nvSpPr>
+          <p:cNvPr id="346" name="Google Shape;346;g1739a8fccaa_0_150:notes"/>
+          <p:cNvSpPr>
+            <a:spLocks noGrp="1" noRot="1" noChangeAspect="1"/>
+          </p:cNvSpPr>
+          <p:nvPr>
+            <p:ph type="sldImg" idx="2"/>
+          </p:nvPr>
+        </p:nvSpPr>
+        <p:spPr>
+          <a:xfrm>
+            <a:off x="381000" y="685800"/>
+            <a:ext cx="6096000" cy="3429000"/>
+          </a:xfrm>
+          <a:custGeom>
+            <a:avLst/>
+            <a:gdLst/>
+            <a:ahLst/>
+            <a:cxnLst/>
+            <a:rect l="l" t="t" r="r" b="b"/>
+            <a:pathLst>
+              <a:path w="120000" h="120000" extrusionOk="0">
+                <a:moveTo>
+                  <a:pt x="0" y="0"/>
+                </a:moveTo>
+                <a:lnTo>
+                  <a:pt x="120000" y="0"/>
+                </a:lnTo>
+                <a:lnTo>
+                  <a:pt x="120000" y="120000"/>
+                </a:lnTo>
+                <a:lnTo>
+                  <a:pt x="0" y="120000"/>
+                </a:lnTo>
+                <a:close/>
+              </a:path>
+            </a:pathLst>
+          </a:custGeom>
+        </p:spPr>
+      </p:sp>
+      <p:sp>
+        <p:nvSpPr>
+          <p:cNvPr id="347" name="Google Shape;347;g1739a8fccaa_0_150:notes"/>
+          <p:cNvSpPr txBox="1">
+            <a:spLocks noGrp="1"/>
+          </p:cNvSpPr>
+          <p:nvPr>
+            <p:ph type="body" idx="1"/>
+          </p:nvPr>
+        </p:nvSpPr>
+        <p:spPr>
+          <a:xfrm>
+            <a:off x="685800" y="4343400"/>
+            <a:ext cx="5486400" cy="4114800"/>
+          </a:xfrm>
+          <a:prstGeom prst="rect">
+            <a:avLst/>
+          </a:prstGeom>
+        </p:spPr>
+        <p:txBody>
+          <a:bodyPr spcFirstLastPara="1" wrap="square" lIns="91425" tIns="91425" rIns="91425" bIns="91425" anchor="t" anchorCtr="0">
+            <a:noAutofit/>
+          </a:bodyPr>
+          <a:lstStyle/>
+          <a:p>
+            <a:pPr marL="0" lvl="0" indent="0" algn="l" rtl="0">
+              <a:spcBef>
+                <a:spcPts val="0"/>
+              </a:spcBef>
+              <a:spcAft>
+                <a:spcPts val="0"/>
+              </a:spcAft>
+              <a:buNone/>
+            </a:pPr>
+            <a:endParaRPr/>
+          </a:p>
+        </p:txBody>
+      </p:sp>
+    </p:spTree>
+    <p:extLst>
+      <p:ext uri="{BB962C8B-B14F-4D97-AF65-F5344CB8AC3E}">
+        <p14:creationId xmlns:p14="http://schemas.microsoft.com/office/powerpoint/2010/main" val="3049478575"/>
       </p:ext>
     </p:extLst>
   </p:cSld>
@@ -21335,6 +21445,4624 @@
 </p:sld>
 </file>
 
+<file path=ppt/slides/slide10.xml><?xml version="1.0" encoding="utf-8"?>
+<p:sld xmlns:a="http://schemas.openxmlformats.org/drawingml/2006/main" xmlns:r="http://schemas.openxmlformats.org/officeDocument/2006/relationships" xmlns:p="http://schemas.openxmlformats.org/presentationml/2006/main">
+  <p:cSld>
+    <p:spTree>
+      <p:nvGrpSpPr>
+        <p:cNvPr id="1" name="Shape 348"/>
+        <p:cNvGrpSpPr/>
+        <p:nvPr/>
+      </p:nvGrpSpPr>
+      <p:grpSpPr>
+        <a:xfrm>
+          <a:off x="0" y="0"/>
+          <a:ext cx="0" cy="0"/>
+          <a:chOff x="0" y="0"/>
+          <a:chExt cx="0" cy="0"/>
+        </a:xfrm>
+      </p:grpSpPr>
+      <p:sp>
+        <p:nvSpPr>
+          <p:cNvPr id="6" name="Google Shape;1161;p47"/>
+          <p:cNvSpPr txBox="1">
+            <a:spLocks/>
+          </p:cNvSpPr>
+          <p:nvPr/>
+        </p:nvSpPr>
+        <p:spPr>
+          <a:xfrm>
+            <a:off x="1252225" y="728325"/>
+            <a:ext cx="3982500" cy="1097100"/>
+          </a:xfrm>
+          <a:prstGeom prst="rect">
+            <a:avLst/>
+          </a:prstGeom>
+          <a:noFill/>
+          <a:ln>
+            <a:noFill/>
+          </a:ln>
+        </p:spPr>
+        <p:txBody>
+          <a:bodyPr spcFirstLastPara="1" wrap="square" lIns="91425" tIns="91425" rIns="91425" bIns="91425" anchor="t" anchorCtr="0">
+            <a:noAutofit/>
+          </a:bodyPr>
+          <a:lstStyle>
+            <a:defPPr marR="0" lvl="0" algn="l" rtl="0">
+              <a:lnSpc>
+                <a:spcPct val="100000"/>
+              </a:lnSpc>
+              <a:spcBef>
+                <a:spcPts val="0"/>
+              </a:spcBef>
+              <a:spcAft>
+                <a:spcPts val="0"/>
+              </a:spcAft>
+            </a:defPPr>
+            <a:lvl1pPr marR="0" lvl="0" algn="l" rtl="0">
+              <a:lnSpc>
+                <a:spcPct val="100000"/>
+              </a:lnSpc>
+              <a:spcBef>
+                <a:spcPts val="0"/>
+              </a:spcBef>
+              <a:spcAft>
+                <a:spcPts val="0"/>
+              </a:spcAft>
+              <a:buClr>
+                <a:schemeClr val="dk1"/>
+              </a:buClr>
+              <a:buSzPts val="3500"/>
+              <a:buFont typeface="Space Mono"/>
+              <a:buNone/>
+              <a:defRPr sz="3000" b="0" i="0" u="none" strike="noStrike" cap="none">
+                <a:solidFill>
+                  <a:schemeClr val="dk1"/>
+                </a:solidFill>
+                <a:latin typeface="Space Mono"/>
+                <a:ea typeface="Space Mono"/>
+                <a:cs typeface="Space Mono"/>
+                <a:sym typeface="Space Mono"/>
+              </a:defRPr>
+            </a:lvl1pPr>
+            <a:lvl2pPr marR="0" lvl="1" algn="l" rtl="0">
+              <a:lnSpc>
+                <a:spcPct val="100000"/>
+              </a:lnSpc>
+              <a:spcBef>
+                <a:spcPts val="0"/>
+              </a:spcBef>
+              <a:spcAft>
+                <a:spcPts val="0"/>
+              </a:spcAft>
+              <a:buClr>
+                <a:schemeClr val="dk1"/>
+              </a:buClr>
+              <a:buSzPts val="3500"/>
+              <a:buFont typeface="Space Mono"/>
+              <a:buNone/>
+              <a:defRPr sz="3500" b="0" i="0" u="none" strike="noStrike" cap="none">
+                <a:solidFill>
+                  <a:schemeClr val="dk1"/>
+                </a:solidFill>
+                <a:latin typeface="Space Mono"/>
+                <a:ea typeface="Space Mono"/>
+                <a:cs typeface="Space Mono"/>
+                <a:sym typeface="Space Mono"/>
+              </a:defRPr>
+            </a:lvl2pPr>
+            <a:lvl3pPr marR="0" lvl="2" algn="l" rtl="0">
+              <a:lnSpc>
+                <a:spcPct val="100000"/>
+              </a:lnSpc>
+              <a:spcBef>
+                <a:spcPts val="0"/>
+              </a:spcBef>
+              <a:spcAft>
+                <a:spcPts val="0"/>
+              </a:spcAft>
+              <a:buClr>
+                <a:schemeClr val="dk1"/>
+              </a:buClr>
+              <a:buSzPts val="3500"/>
+              <a:buFont typeface="Space Mono"/>
+              <a:buNone/>
+              <a:defRPr sz="3500" b="0" i="0" u="none" strike="noStrike" cap="none">
+                <a:solidFill>
+                  <a:schemeClr val="dk1"/>
+                </a:solidFill>
+                <a:latin typeface="Space Mono"/>
+                <a:ea typeface="Space Mono"/>
+                <a:cs typeface="Space Mono"/>
+                <a:sym typeface="Space Mono"/>
+              </a:defRPr>
+            </a:lvl3pPr>
+            <a:lvl4pPr marR="0" lvl="3" algn="l" rtl="0">
+              <a:lnSpc>
+                <a:spcPct val="100000"/>
+              </a:lnSpc>
+              <a:spcBef>
+                <a:spcPts val="0"/>
+              </a:spcBef>
+              <a:spcAft>
+                <a:spcPts val="0"/>
+              </a:spcAft>
+              <a:buClr>
+                <a:schemeClr val="dk1"/>
+              </a:buClr>
+              <a:buSzPts val="3500"/>
+              <a:buFont typeface="Space Mono"/>
+              <a:buNone/>
+              <a:defRPr sz="3500" b="0" i="0" u="none" strike="noStrike" cap="none">
+                <a:solidFill>
+                  <a:schemeClr val="dk1"/>
+                </a:solidFill>
+                <a:latin typeface="Space Mono"/>
+                <a:ea typeface="Space Mono"/>
+                <a:cs typeface="Space Mono"/>
+                <a:sym typeface="Space Mono"/>
+              </a:defRPr>
+            </a:lvl4pPr>
+            <a:lvl5pPr marR="0" lvl="4" algn="l" rtl="0">
+              <a:lnSpc>
+                <a:spcPct val="100000"/>
+              </a:lnSpc>
+              <a:spcBef>
+                <a:spcPts val="0"/>
+              </a:spcBef>
+              <a:spcAft>
+                <a:spcPts val="0"/>
+              </a:spcAft>
+              <a:buClr>
+                <a:schemeClr val="dk1"/>
+              </a:buClr>
+              <a:buSzPts val="3500"/>
+              <a:buFont typeface="Space Mono"/>
+              <a:buNone/>
+              <a:defRPr sz="3500" b="0" i="0" u="none" strike="noStrike" cap="none">
+                <a:solidFill>
+                  <a:schemeClr val="dk1"/>
+                </a:solidFill>
+                <a:latin typeface="Space Mono"/>
+                <a:ea typeface="Space Mono"/>
+                <a:cs typeface="Space Mono"/>
+                <a:sym typeface="Space Mono"/>
+              </a:defRPr>
+            </a:lvl5pPr>
+            <a:lvl6pPr marR="0" lvl="5" algn="l" rtl="0">
+              <a:lnSpc>
+                <a:spcPct val="100000"/>
+              </a:lnSpc>
+              <a:spcBef>
+                <a:spcPts val="0"/>
+              </a:spcBef>
+              <a:spcAft>
+                <a:spcPts val="0"/>
+              </a:spcAft>
+              <a:buClr>
+                <a:schemeClr val="dk1"/>
+              </a:buClr>
+              <a:buSzPts val="3500"/>
+              <a:buFont typeface="Space Mono"/>
+              <a:buNone/>
+              <a:defRPr sz="3500" b="0" i="0" u="none" strike="noStrike" cap="none">
+                <a:solidFill>
+                  <a:schemeClr val="dk1"/>
+                </a:solidFill>
+                <a:latin typeface="Space Mono"/>
+                <a:ea typeface="Space Mono"/>
+                <a:cs typeface="Space Mono"/>
+                <a:sym typeface="Space Mono"/>
+              </a:defRPr>
+            </a:lvl6pPr>
+            <a:lvl7pPr marR="0" lvl="6" algn="l" rtl="0">
+              <a:lnSpc>
+                <a:spcPct val="100000"/>
+              </a:lnSpc>
+              <a:spcBef>
+                <a:spcPts val="0"/>
+              </a:spcBef>
+              <a:spcAft>
+                <a:spcPts val="0"/>
+              </a:spcAft>
+              <a:buClr>
+                <a:schemeClr val="dk1"/>
+              </a:buClr>
+              <a:buSzPts val="3500"/>
+              <a:buFont typeface="Space Mono"/>
+              <a:buNone/>
+              <a:defRPr sz="3500" b="0" i="0" u="none" strike="noStrike" cap="none">
+                <a:solidFill>
+                  <a:schemeClr val="dk1"/>
+                </a:solidFill>
+                <a:latin typeface="Space Mono"/>
+                <a:ea typeface="Space Mono"/>
+                <a:cs typeface="Space Mono"/>
+                <a:sym typeface="Space Mono"/>
+              </a:defRPr>
+            </a:lvl7pPr>
+            <a:lvl8pPr marR="0" lvl="7" algn="l" rtl="0">
+              <a:lnSpc>
+                <a:spcPct val="100000"/>
+              </a:lnSpc>
+              <a:spcBef>
+                <a:spcPts val="0"/>
+              </a:spcBef>
+              <a:spcAft>
+                <a:spcPts val="0"/>
+              </a:spcAft>
+              <a:buClr>
+                <a:schemeClr val="dk1"/>
+              </a:buClr>
+              <a:buSzPts val="3500"/>
+              <a:buFont typeface="Space Mono"/>
+              <a:buNone/>
+              <a:defRPr sz="3500" b="0" i="0" u="none" strike="noStrike" cap="none">
+                <a:solidFill>
+                  <a:schemeClr val="dk1"/>
+                </a:solidFill>
+                <a:latin typeface="Space Mono"/>
+                <a:ea typeface="Space Mono"/>
+                <a:cs typeface="Space Mono"/>
+                <a:sym typeface="Space Mono"/>
+              </a:defRPr>
+            </a:lvl8pPr>
+            <a:lvl9pPr marR="0" lvl="8" algn="l" rtl="0">
+              <a:lnSpc>
+                <a:spcPct val="100000"/>
+              </a:lnSpc>
+              <a:spcBef>
+                <a:spcPts val="0"/>
+              </a:spcBef>
+              <a:spcAft>
+                <a:spcPts val="0"/>
+              </a:spcAft>
+              <a:buClr>
+                <a:schemeClr val="dk1"/>
+              </a:buClr>
+              <a:buSzPts val="3500"/>
+              <a:buFont typeface="Space Mono"/>
+              <a:buNone/>
+              <a:defRPr sz="3500" b="0" i="0" u="none" strike="noStrike" cap="none">
+                <a:solidFill>
+                  <a:schemeClr val="dk1"/>
+                </a:solidFill>
+                <a:latin typeface="Space Mono"/>
+                <a:ea typeface="Space Mono"/>
+                <a:cs typeface="Space Mono"/>
+                <a:sym typeface="Space Mono"/>
+              </a:defRPr>
+            </a:lvl9pPr>
+          </a:lstStyle>
+          <a:p>
+            <a:r>
+              <a:rPr lang="pt-BR" sz="5400" dirty="0" smtClean="0"/>
+              <a:t>GitHub</a:t>
+            </a:r>
+            <a:endParaRPr lang="pt-BR" sz="5400" dirty="0"/>
+          </a:p>
+        </p:txBody>
+      </p:sp>
+      <p:sp>
+        <p:nvSpPr>
+          <p:cNvPr id="8" name="Google Shape;1198;p47"/>
+          <p:cNvSpPr/>
+          <p:nvPr/>
+        </p:nvSpPr>
+        <p:spPr>
+          <a:xfrm>
+            <a:off x="6779250" y="2249858"/>
+            <a:ext cx="93000" cy="93000"/>
+          </a:xfrm>
+          <a:prstGeom prst="ellipse">
+            <a:avLst/>
+          </a:prstGeom>
+          <a:solidFill>
+            <a:schemeClr val="dk1"/>
+          </a:solidFill>
+          <a:ln>
+            <a:noFill/>
+          </a:ln>
+        </p:spPr>
+        <p:txBody>
+          <a:bodyPr spcFirstLastPara="1" wrap="square" lIns="91425" tIns="91425" rIns="91425" bIns="91425" anchor="ctr" anchorCtr="0">
+            <a:noAutofit/>
+          </a:bodyPr>
+          <a:lstStyle/>
+          <a:p>
+            <a:pPr marL="0" lvl="0" indent="0" algn="l" rtl="0">
+              <a:spcBef>
+                <a:spcPts val="0"/>
+              </a:spcBef>
+              <a:spcAft>
+                <a:spcPts val="0"/>
+              </a:spcAft>
+              <a:buNone/>
+            </a:pPr>
+            <a:endParaRPr/>
+          </a:p>
+        </p:txBody>
+      </p:sp>
+      <p:cxnSp>
+        <p:nvCxnSpPr>
+          <p:cNvPr id="9" name="Google Shape;1199;p47"/>
+          <p:cNvCxnSpPr/>
+          <p:nvPr/>
+        </p:nvCxnSpPr>
+        <p:spPr>
+          <a:xfrm>
+            <a:off x="4777489" y="534999"/>
+            <a:ext cx="1616400" cy="1429200"/>
+          </a:xfrm>
+          <a:prstGeom prst="bentConnector3">
+            <a:avLst>
+              <a:gd name="adj1" fmla="val 49096"/>
+            </a:avLst>
+          </a:prstGeom>
+          <a:noFill/>
+          <a:ln w="19050" cap="flat" cmpd="sng">
+            <a:solidFill>
+              <a:schemeClr val="dk1"/>
+            </a:solidFill>
+            <a:prstDash val="lgDash"/>
+            <a:round/>
+            <a:headEnd type="none" w="med" len="med"/>
+            <a:tailEnd type="none" w="med" len="med"/>
+          </a:ln>
+        </p:spPr>
+      </p:cxnSp>
+      <p:sp>
+        <p:nvSpPr>
+          <p:cNvPr id="10" name="Google Shape;1206;p47"/>
+          <p:cNvSpPr txBox="1"/>
+          <p:nvPr/>
+        </p:nvSpPr>
+        <p:spPr>
+          <a:xfrm>
+            <a:off x="5985075" y="4324825"/>
+            <a:ext cx="1180800" cy="311400"/>
+          </a:xfrm>
+          <a:prstGeom prst="rect">
+            <a:avLst/>
+          </a:prstGeom>
+          <a:solidFill>
+            <a:schemeClr val="accent3"/>
+          </a:solidFill>
+          <a:ln>
+            <a:noFill/>
+          </a:ln>
+        </p:spPr>
+        <p:txBody>
+          <a:bodyPr spcFirstLastPara="1" wrap="square" lIns="91425" tIns="91425" rIns="91425" bIns="91425" anchor="ctr" anchorCtr="0">
+            <a:noAutofit/>
+          </a:bodyPr>
+          <a:lstStyle/>
+          <a:p>
+            <a:pPr marL="0" lvl="0" indent="0" algn="ctr" rtl="0">
+              <a:spcBef>
+                <a:spcPts val="0"/>
+              </a:spcBef>
+              <a:spcAft>
+                <a:spcPts val="0"/>
+              </a:spcAft>
+              <a:buNone/>
+            </a:pPr>
+            <a:endParaRPr sz="1600" dirty="0">
+              <a:solidFill>
+                <a:schemeClr val="dk1"/>
+              </a:solidFill>
+              <a:latin typeface="Antonio Medium"/>
+              <a:ea typeface="Antonio Medium"/>
+              <a:cs typeface="Antonio Medium"/>
+              <a:sym typeface="Antonio Medium"/>
+            </a:endParaRPr>
+          </a:p>
+        </p:txBody>
+      </p:sp>
+      <p:sp>
+        <p:nvSpPr>
+          <p:cNvPr id="11" name="Google Shape;1207;p47"/>
+          <p:cNvSpPr txBox="1"/>
+          <p:nvPr/>
+        </p:nvSpPr>
+        <p:spPr>
+          <a:xfrm>
+            <a:off x="5985075" y="3931000"/>
+            <a:ext cx="1180800" cy="311400"/>
+          </a:xfrm>
+          <a:prstGeom prst="rect">
+            <a:avLst/>
+          </a:prstGeom>
+          <a:solidFill>
+            <a:schemeClr val="accent3"/>
+          </a:solidFill>
+          <a:ln>
+            <a:noFill/>
+          </a:ln>
+        </p:spPr>
+        <p:txBody>
+          <a:bodyPr spcFirstLastPara="1" wrap="square" lIns="91425" tIns="91425" rIns="91425" bIns="91425" anchor="ctr" anchorCtr="0">
+            <a:noAutofit/>
+          </a:bodyPr>
+          <a:lstStyle/>
+          <a:p>
+            <a:pPr marL="0" lvl="0" indent="0" algn="ctr" rtl="0">
+              <a:spcBef>
+                <a:spcPts val="0"/>
+              </a:spcBef>
+              <a:spcAft>
+                <a:spcPts val="0"/>
+              </a:spcAft>
+              <a:buNone/>
+            </a:pPr>
+            <a:endParaRPr sz="1600" dirty="0">
+              <a:solidFill>
+                <a:schemeClr val="dk1"/>
+              </a:solidFill>
+              <a:latin typeface="Antonio Medium"/>
+              <a:ea typeface="Antonio Medium"/>
+              <a:cs typeface="Antonio Medium"/>
+              <a:sym typeface="Antonio Medium"/>
+            </a:endParaRPr>
+          </a:p>
+        </p:txBody>
+      </p:sp>
+      <p:sp>
+        <p:nvSpPr>
+          <p:cNvPr id="12" name="Google Shape;1208;p47"/>
+          <p:cNvSpPr txBox="1"/>
+          <p:nvPr/>
+        </p:nvSpPr>
+        <p:spPr>
+          <a:xfrm>
+            <a:off x="5985075" y="3537175"/>
+            <a:ext cx="1180800" cy="311400"/>
+          </a:xfrm>
+          <a:prstGeom prst="rect">
+            <a:avLst/>
+          </a:prstGeom>
+          <a:solidFill>
+            <a:schemeClr val="accent3"/>
+          </a:solidFill>
+          <a:ln>
+            <a:noFill/>
+          </a:ln>
+        </p:spPr>
+        <p:txBody>
+          <a:bodyPr spcFirstLastPara="1" wrap="square" lIns="91425" tIns="91425" rIns="91425" bIns="91425" anchor="ctr" anchorCtr="0">
+            <a:noAutofit/>
+          </a:bodyPr>
+          <a:lstStyle/>
+          <a:p>
+            <a:pPr marL="0" lvl="0" indent="0" algn="ctr" rtl="0">
+              <a:spcBef>
+                <a:spcPts val="0"/>
+              </a:spcBef>
+              <a:spcAft>
+                <a:spcPts val="0"/>
+              </a:spcAft>
+              <a:buNone/>
+            </a:pPr>
+            <a:endParaRPr sz="1600" dirty="0">
+              <a:solidFill>
+                <a:schemeClr val="dk1"/>
+              </a:solidFill>
+              <a:latin typeface="Antonio Medium"/>
+              <a:ea typeface="Antonio Medium"/>
+              <a:cs typeface="Antonio Medium"/>
+              <a:sym typeface="Antonio Medium"/>
+            </a:endParaRPr>
+          </a:p>
+        </p:txBody>
+      </p:sp>
+      <p:sp>
+        <p:nvSpPr>
+          <p:cNvPr id="13" name="Google Shape;1209;p47"/>
+          <p:cNvSpPr txBox="1"/>
+          <p:nvPr/>
+        </p:nvSpPr>
+        <p:spPr>
+          <a:xfrm>
+            <a:off x="5985075" y="3143350"/>
+            <a:ext cx="1180800" cy="311400"/>
+          </a:xfrm>
+          <a:prstGeom prst="rect">
+            <a:avLst/>
+          </a:prstGeom>
+          <a:solidFill>
+            <a:schemeClr val="accent3"/>
+          </a:solidFill>
+          <a:ln>
+            <a:noFill/>
+          </a:ln>
+        </p:spPr>
+        <p:txBody>
+          <a:bodyPr spcFirstLastPara="1" wrap="square" lIns="91425" tIns="91425" rIns="91425" bIns="91425" anchor="ctr" anchorCtr="0">
+            <a:noAutofit/>
+          </a:bodyPr>
+          <a:lstStyle/>
+          <a:p>
+            <a:pPr marL="0" lvl="0" indent="0" algn="ctr" rtl="0">
+              <a:spcBef>
+                <a:spcPts val="0"/>
+              </a:spcBef>
+              <a:spcAft>
+                <a:spcPts val="0"/>
+              </a:spcAft>
+              <a:buNone/>
+            </a:pPr>
+            <a:endParaRPr sz="1600" dirty="0">
+              <a:solidFill>
+                <a:schemeClr val="dk1"/>
+              </a:solidFill>
+              <a:latin typeface="Antonio Medium"/>
+              <a:ea typeface="Antonio Medium"/>
+              <a:cs typeface="Antonio Medium"/>
+              <a:sym typeface="Antonio Medium"/>
+            </a:endParaRPr>
+          </a:p>
+        </p:txBody>
+      </p:sp>
+      <p:grpSp>
+        <p:nvGrpSpPr>
+          <p:cNvPr id="14" name="Google Shape;5110;p59"/>
+          <p:cNvGrpSpPr/>
+          <p:nvPr/>
+        </p:nvGrpSpPr>
+        <p:grpSpPr>
+          <a:xfrm>
+            <a:off x="6448545" y="401849"/>
+            <a:ext cx="1695374" cy="1560837"/>
+            <a:chOff x="727421" y="2828315"/>
+            <a:chExt cx="1695374" cy="1560837"/>
+          </a:xfrm>
+        </p:grpSpPr>
+        <p:grpSp>
+          <p:nvGrpSpPr>
+            <p:cNvPr id="15" name="Google Shape;5111;p59"/>
+            <p:cNvGrpSpPr/>
+            <p:nvPr/>
+          </p:nvGrpSpPr>
+          <p:grpSpPr>
+            <a:xfrm>
+              <a:off x="727421" y="2828315"/>
+              <a:ext cx="1695374" cy="1560837"/>
+              <a:chOff x="734799" y="2782450"/>
+              <a:chExt cx="1571100" cy="1577400"/>
+            </a:xfrm>
+          </p:grpSpPr>
+          <p:cxnSp>
+            <p:nvCxnSpPr>
+              <p:cNvPr id="73" name="Google Shape;5112;p59"/>
+              <p:cNvCxnSpPr/>
+              <p:nvPr/>
+            </p:nvCxnSpPr>
+            <p:spPr>
+              <a:xfrm>
+                <a:off x="743025" y="2782450"/>
+                <a:ext cx="0" cy="1577400"/>
+              </a:xfrm>
+              <a:prstGeom prst="straightConnector1">
+                <a:avLst/>
+              </a:prstGeom>
+              <a:noFill/>
+              <a:ln w="19050" cap="flat" cmpd="sng">
+                <a:solidFill>
+                  <a:srgbClr val="E3E7EA"/>
+                </a:solidFill>
+                <a:prstDash val="solid"/>
+                <a:round/>
+                <a:headEnd type="none" w="med" len="med"/>
+                <a:tailEnd type="none" w="med" len="med"/>
+              </a:ln>
+            </p:spPr>
+          </p:cxnSp>
+          <p:cxnSp>
+            <p:nvCxnSpPr>
+              <p:cNvPr id="74" name="Google Shape;5113;p59"/>
+              <p:cNvCxnSpPr/>
+              <p:nvPr/>
+            </p:nvCxnSpPr>
+            <p:spPr>
+              <a:xfrm rot="10800000">
+                <a:off x="734799" y="4359850"/>
+                <a:ext cx="1571100" cy="0"/>
+              </a:xfrm>
+              <a:prstGeom prst="straightConnector1">
+                <a:avLst/>
+              </a:prstGeom>
+              <a:noFill/>
+              <a:ln w="19050" cap="flat" cmpd="sng">
+                <a:solidFill>
+                  <a:srgbClr val="E3E7EA"/>
+                </a:solidFill>
+                <a:prstDash val="solid"/>
+                <a:round/>
+                <a:headEnd type="none" w="med" len="med"/>
+                <a:tailEnd type="none" w="med" len="med"/>
+              </a:ln>
+            </p:spPr>
+          </p:cxnSp>
+        </p:grpSp>
+        <p:grpSp>
+          <p:nvGrpSpPr>
+            <p:cNvPr id="16" name="Google Shape;5114;p59"/>
+            <p:cNvGrpSpPr/>
+            <p:nvPr/>
+          </p:nvGrpSpPr>
+          <p:grpSpPr>
+            <a:xfrm>
+              <a:off x="819108" y="2882501"/>
+              <a:ext cx="1556791" cy="1426186"/>
+              <a:chOff x="819108" y="2882501"/>
+              <a:chExt cx="1556791" cy="1426186"/>
+            </a:xfrm>
+          </p:grpSpPr>
+          <p:grpSp>
+            <p:nvGrpSpPr>
+              <p:cNvPr id="17" name="Google Shape;5115;p59"/>
+              <p:cNvGrpSpPr/>
+              <p:nvPr/>
+            </p:nvGrpSpPr>
+            <p:grpSpPr>
+              <a:xfrm>
+                <a:off x="819108" y="2882501"/>
+                <a:ext cx="103104" cy="1426186"/>
+                <a:chOff x="4674013" y="3100904"/>
+                <a:chExt cx="122758" cy="1698043"/>
+              </a:xfrm>
+            </p:grpSpPr>
+            <p:sp>
+              <p:nvSpPr>
+                <p:cNvPr id="66" name="Google Shape;5116;p59"/>
+                <p:cNvSpPr/>
+                <p:nvPr/>
+              </p:nvSpPr>
+              <p:spPr>
+                <a:xfrm>
+                  <a:off x="4674013" y="3100904"/>
+                  <a:ext cx="122758" cy="122748"/>
+                </a:xfrm>
+                <a:custGeom>
+                  <a:avLst/>
+                  <a:gdLst/>
+                  <a:ahLst/>
+                  <a:cxnLst/>
+                  <a:rect l="l" t="t" r="r" b="b"/>
+                  <a:pathLst>
+                    <a:path w="12381" h="12380" extrusionOk="0">
+                      <a:moveTo>
+                        <a:pt x="6191" y="1"/>
+                      </a:moveTo>
+                      <a:cubicBezTo>
+                        <a:pt x="2771" y="1"/>
+                        <a:pt x="0" y="2772"/>
+                        <a:pt x="0" y="6190"/>
+                      </a:cubicBezTo>
+                      <a:cubicBezTo>
+                        <a:pt x="0" y="9608"/>
+                        <a:pt x="2771" y="12379"/>
+                        <a:pt x="6191" y="12379"/>
+                      </a:cubicBezTo>
+                      <a:cubicBezTo>
+                        <a:pt x="9610" y="12379"/>
+                        <a:pt x="12381" y="9608"/>
+                        <a:pt x="12381" y="6190"/>
+                      </a:cubicBezTo>
+                      <a:cubicBezTo>
+                        <a:pt x="12381" y="2772"/>
+                        <a:pt x="9610" y="1"/>
+                        <a:pt x="6191" y="1"/>
+                      </a:cubicBezTo>
+                      <a:close/>
+                    </a:path>
+                  </a:pathLst>
+                </a:custGeom>
+                <a:solidFill>
+                  <a:srgbClr val="CFD9E0"/>
+                </a:solidFill>
+                <a:ln>
+                  <a:noFill/>
+                </a:ln>
+              </p:spPr>
+              <p:txBody>
+                <a:bodyPr spcFirstLastPara="1" wrap="square" lIns="91425" tIns="91425" rIns="91425" bIns="91425" anchor="ctr" anchorCtr="0">
+                  <a:noAutofit/>
+                </a:bodyPr>
+                <a:lstStyle/>
+                <a:p>
+                  <a:pPr marL="0" lvl="0" indent="0" algn="l" rtl="0">
+                    <a:spcBef>
+                      <a:spcPts val="0"/>
+                    </a:spcBef>
+                    <a:spcAft>
+                      <a:spcPts val="0"/>
+                    </a:spcAft>
+                    <a:buNone/>
+                  </a:pPr>
+                  <a:endParaRPr/>
+                </a:p>
+              </p:txBody>
+            </p:sp>
+            <p:sp>
+              <p:nvSpPr>
+                <p:cNvPr id="67" name="Google Shape;5117;p59"/>
+                <p:cNvSpPr/>
+                <p:nvPr/>
+              </p:nvSpPr>
+              <p:spPr>
+                <a:xfrm>
+                  <a:off x="4674013" y="3363453"/>
+                  <a:ext cx="122758" cy="122758"/>
+                </a:xfrm>
+                <a:custGeom>
+                  <a:avLst/>
+                  <a:gdLst/>
+                  <a:ahLst/>
+                  <a:cxnLst/>
+                  <a:rect l="l" t="t" r="r" b="b"/>
+                  <a:pathLst>
+                    <a:path w="12381" h="12381" extrusionOk="0">
+                      <a:moveTo>
+                        <a:pt x="6191" y="0"/>
+                      </a:moveTo>
+                      <a:cubicBezTo>
+                        <a:pt x="2771" y="0"/>
+                        <a:pt x="0" y="2771"/>
+                        <a:pt x="0" y="6191"/>
+                      </a:cubicBezTo>
+                      <a:cubicBezTo>
+                        <a:pt x="0" y="9610"/>
+                        <a:pt x="2771" y="12381"/>
+                        <a:pt x="6191" y="12381"/>
+                      </a:cubicBezTo>
+                      <a:cubicBezTo>
+                        <a:pt x="9610" y="12381"/>
+                        <a:pt x="12381" y="9610"/>
+                        <a:pt x="12381" y="6191"/>
+                      </a:cubicBezTo>
+                      <a:cubicBezTo>
+                        <a:pt x="12381" y="2771"/>
+                        <a:pt x="9610" y="0"/>
+                        <a:pt x="6191" y="0"/>
+                      </a:cubicBezTo>
+                      <a:close/>
+                    </a:path>
+                  </a:pathLst>
+                </a:custGeom>
+                <a:solidFill>
+                  <a:srgbClr val="CFD9E0"/>
+                </a:solidFill>
+                <a:ln>
+                  <a:noFill/>
+                </a:ln>
+              </p:spPr>
+              <p:txBody>
+                <a:bodyPr spcFirstLastPara="1" wrap="square" lIns="91425" tIns="91425" rIns="91425" bIns="91425" anchor="ctr" anchorCtr="0">
+                  <a:noAutofit/>
+                </a:bodyPr>
+                <a:lstStyle/>
+                <a:p>
+                  <a:pPr marL="0" lvl="0" indent="0" algn="l" rtl="0">
+                    <a:spcBef>
+                      <a:spcPts val="0"/>
+                    </a:spcBef>
+                    <a:spcAft>
+                      <a:spcPts val="0"/>
+                    </a:spcAft>
+                    <a:buNone/>
+                  </a:pPr>
+                  <a:endParaRPr/>
+                </a:p>
+              </p:txBody>
+            </p:sp>
+            <p:sp>
+              <p:nvSpPr>
+                <p:cNvPr id="68" name="Google Shape;5118;p59"/>
+                <p:cNvSpPr/>
+                <p:nvPr/>
+              </p:nvSpPr>
+              <p:spPr>
+                <a:xfrm>
+                  <a:off x="4674013" y="3625992"/>
+                  <a:ext cx="122738" cy="122768"/>
+                </a:xfrm>
+                <a:custGeom>
+                  <a:avLst/>
+                  <a:gdLst/>
+                  <a:ahLst/>
+                  <a:cxnLst/>
+                  <a:rect l="l" t="t" r="r" b="b"/>
+                  <a:pathLst>
+                    <a:path w="12379" h="12382" extrusionOk="0">
+                      <a:moveTo>
+                        <a:pt x="6190" y="1"/>
+                      </a:moveTo>
+                      <a:cubicBezTo>
+                        <a:pt x="2771" y="1"/>
+                        <a:pt x="0" y="2774"/>
+                        <a:pt x="0" y="6192"/>
+                      </a:cubicBezTo>
+                      <a:cubicBezTo>
+                        <a:pt x="0" y="9610"/>
+                        <a:pt x="2771" y="12381"/>
+                        <a:pt x="6190" y="12381"/>
+                      </a:cubicBezTo>
+                      <a:cubicBezTo>
+                        <a:pt x="9608" y="12381"/>
+                        <a:pt x="12379" y="9610"/>
+                        <a:pt x="12379" y="6192"/>
+                      </a:cubicBezTo>
+                      <a:cubicBezTo>
+                        <a:pt x="12379" y="2774"/>
+                        <a:pt x="9608" y="1"/>
+                        <a:pt x="6190" y="1"/>
+                      </a:cubicBezTo>
+                      <a:close/>
+                    </a:path>
+                  </a:pathLst>
+                </a:custGeom>
+                <a:solidFill>
+                  <a:srgbClr val="869FB2"/>
+                </a:solidFill>
+                <a:ln w="19050" cap="flat" cmpd="sng">
+                  <a:solidFill>
+                    <a:srgbClr val="869FB2"/>
+                  </a:solidFill>
+                  <a:prstDash val="solid"/>
+                  <a:round/>
+                  <a:headEnd type="none" w="sm" len="sm"/>
+                  <a:tailEnd type="none" w="sm" len="sm"/>
+                </a:ln>
+              </p:spPr>
+              <p:txBody>
+                <a:bodyPr spcFirstLastPara="1" wrap="square" lIns="91425" tIns="91425" rIns="91425" bIns="91425" anchor="ctr" anchorCtr="0">
+                  <a:noAutofit/>
+                </a:bodyPr>
+                <a:lstStyle/>
+                <a:p>
+                  <a:pPr marL="0" lvl="0" indent="0" algn="l" rtl="0">
+                    <a:spcBef>
+                      <a:spcPts val="0"/>
+                    </a:spcBef>
+                    <a:spcAft>
+                      <a:spcPts val="0"/>
+                    </a:spcAft>
+                    <a:buNone/>
+                  </a:pPr>
+                  <a:endParaRPr/>
+                </a:p>
+              </p:txBody>
+            </p:sp>
+            <p:sp>
+              <p:nvSpPr>
+                <p:cNvPr id="69" name="Google Shape;5119;p59"/>
+                <p:cNvSpPr/>
+                <p:nvPr/>
+              </p:nvSpPr>
+              <p:spPr>
+                <a:xfrm>
+                  <a:off x="4674013" y="3888561"/>
+                  <a:ext cx="122738" cy="122738"/>
+                </a:xfrm>
+                <a:custGeom>
+                  <a:avLst/>
+                  <a:gdLst/>
+                  <a:ahLst/>
+                  <a:cxnLst/>
+                  <a:rect l="l" t="t" r="r" b="b"/>
+                  <a:pathLst>
+                    <a:path w="12379" h="12379" extrusionOk="0">
+                      <a:moveTo>
+                        <a:pt x="6190" y="0"/>
+                      </a:moveTo>
+                      <a:cubicBezTo>
+                        <a:pt x="2771" y="0"/>
+                        <a:pt x="0" y="2771"/>
+                        <a:pt x="0" y="6189"/>
+                      </a:cubicBezTo>
+                      <a:cubicBezTo>
+                        <a:pt x="0" y="9608"/>
+                        <a:pt x="2771" y="12379"/>
+                        <a:pt x="6190" y="12379"/>
+                      </a:cubicBezTo>
+                      <a:cubicBezTo>
+                        <a:pt x="9608" y="12379"/>
+                        <a:pt x="12379" y="9608"/>
+                        <a:pt x="12379" y="6189"/>
+                      </a:cubicBezTo>
+                      <a:cubicBezTo>
+                        <a:pt x="12379" y="2771"/>
+                        <a:pt x="9608" y="0"/>
+                        <a:pt x="6190" y="0"/>
+                      </a:cubicBezTo>
+                      <a:close/>
+                    </a:path>
+                  </a:pathLst>
+                </a:custGeom>
+                <a:solidFill>
+                  <a:srgbClr val="869FB2"/>
+                </a:solidFill>
+                <a:ln w="19050" cap="flat" cmpd="sng">
+                  <a:solidFill>
+                    <a:srgbClr val="869FB2"/>
+                  </a:solidFill>
+                  <a:prstDash val="solid"/>
+                  <a:round/>
+                  <a:headEnd type="none" w="sm" len="sm"/>
+                  <a:tailEnd type="none" w="sm" len="sm"/>
+                </a:ln>
+              </p:spPr>
+              <p:txBody>
+                <a:bodyPr spcFirstLastPara="1" wrap="square" lIns="91425" tIns="91425" rIns="91425" bIns="91425" anchor="ctr" anchorCtr="0">
+                  <a:noAutofit/>
+                </a:bodyPr>
+                <a:lstStyle/>
+                <a:p>
+                  <a:pPr marL="0" lvl="0" indent="0" algn="l" rtl="0">
+                    <a:spcBef>
+                      <a:spcPts val="0"/>
+                    </a:spcBef>
+                    <a:spcAft>
+                      <a:spcPts val="0"/>
+                    </a:spcAft>
+                    <a:buNone/>
+                  </a:pPr>
+                  <a:endParaRPr/>
+                </a:p>
+              </p:txBody>
+            </p:sp>
+            <p:sp>
+              <p:nvSpPr>
+                <p:cNvPr id="70" name="Google Shape;5120;p59"/>
+                <p:cNvSpPr/>
+                <p:nvPr/>
+              </p:nvSpPr>
+              <p:spPr>
+                <a:xfrm>
+                  <a:off x="4674013" y="4151100"/>
+                  <a:ext cx="122738" cy="122748"/>
+                </a:xfrm>
+                <a:custGeom>
+                  <a:avLst/>
+                  <a:gdLst/>
+                  <a:ahLst/>
+                  <a:cxnLst/>
+                  <a:rect l="l" t="t" r="r" b="b"/>
+                  <a:pathLst>
+                    <a:path w="12379" h="12380" extrusionOk="0">
+                      <a:moveTo>
+                        <a:pt x="6190" y="1"/>
+                      </a:moveTo>
+                      <a:cubicBezTo>
+                        <a:pt x="2771" y="1"/>
+                        <a:pt x="0" y="2772"/>
+                        <a:pt x="0" y="6190"/>
+                      </a:cubicBezTo>
+                      <a:cubicBezTo>
+                        <a:pt x="0" y="9608"/>
+                        <a:pt x="2771" y="12379"/>
+                        <a:pt x="6190" y="12379"/>
+                      </a:cubicBezTo>
+                      <a:cubicBezTo>
+                        <a:pt x="9608" y="12379"/>
+                        <a:pt x="12379" y="9608"/>
+                        <a:pt x="12379" y="6190"/>
+                      </a:cubicBezTo>
+                      <a:cubicBezTo>
+                        <a:pt x="12379" y="2772"/>
+                        <a:pt x="9608" y="1"/>
+                        <a:pt x="6190" y="1"/>
+                      </a:cubicBezTo>
+                      <a:close/>
+                    </a:path>
+                  </a:pathLst>
+                </a:custGeom>
+                <a:solidFill>
+                  <a:srgbClr val="869FB2"/>
+                </a:solidFill>
+                <a:ln w="19050" cap="flat" cmpd="sng">
+                  <a:solidFill>
+                    <a:srgbClr val="869FB2"/>
+                  </a:solidFill>
+                  <a:prstDash val="solid"/>
+                  <a:round/>
+                  <a:headEnd type="none" w="sm" len="sm"/>
+                  <a:tailEnd type="none" w="sm" len="sm"/>
+                </a:ln>
+              </p:spPr>
+              <p:txBody>
+                <a:bodyPr spcFirstLastPara="1" wrap="square" lIns="91425" tIns="91425" rIns="91425" bIns="91425" anchor="ctr" anchorCtr="0">
+                  <a:noAutofit/>
+                </a:bodyPr>
+                <a:lstStyle/>
+                <a:p>
+                  <a:pPr marL="0" lvl="0" indent="0" algn="l" rtl="0">
+                    <a:spcBef>
+                      <a:spcPts val="0"/>
+                    </a:spcBef>
+                    <a:spcAft>
+                      <a:spcPts val="0"/>
+                    </a:spcAft>
+                    <a:buNone/>
+                  </a:pPr>
+                  <a:endParaRPr/>
+                </a:p>
+              </p:txBody>
+            </p:sp>
+            <p:sp>
+              <p:nvSpPr>
+                <p:cNvPr id="71" name="Google Shape;5121;p59"/>
+                <p:cNvSpPr/>
+                <p:nvPr/>
+              </p:nvSpPr>
+              <p:spPr>
+                <a:xfrm>
+                  <a:off x="4674013" y="4413650"/>
+                  <a:ext cx="122738" cy="122758"/>
+                </a:xfrm>
+                <a:custGeom>
+                  <a:avLst/>
+                  <a:gdLst/>
+                  <a:ahLst/>
+                  <a:cxnLst/>
+                  <a:rect l="l" t="t" r="r" b="b"/>
+                  <a:pathLst>
+                    <a:path w="12379" h="12381" extrusionOk="0">
+                      <a:moveTo>
+                        <a:pt x="6190" y="0"/>
+                      </a:moveTo>
+                      <a:cubicBezTo>
+                        <a:pt x="2771" y="0"/>
+                        <a:pt x="0" y="2771"/>
+                        <a:pt x="0" y="6191"/>
+                      </a:cubicBezTo>
+                      <a:cubicBezTo>
+                        <a:pt x="0" y="9609"/>
+                        <a:pt x="2771" y="12380"/>
+                        <a:pt x="6190" y="12380"/>
+                      </a:cubicBezTo>
+                      <a:cubicBezTo>
+                        <a:pt x="9608" y="12380"/>
+                        <a:pt x="12379" y="9609"/>
+                        <a:pt x="12379" y="6191"/>
+                      </a:cubicBezTo>
+                      <a:cubicBezTo>
+                        <a:pt x="12379" y="2771"/>
+                        <a:pt x="9608" y="0"/>
+                        <a:pt x="6190" y="0"/>
+                      </a:cubicBezTo>
+                      <a:close/>
+                    </a:path>
+                  </a:pathLst>
+                </a:custGeom>
+                <a:solidFill>
+                  <a:srgbClr val="869FB2"/>
+                </a:solidFill>
+                <a:ln w="19050" cap="flat" cmpd="sng">
+                  <a:solidFill>
+                    <a:srgbClr val="869FB2"/>
+                  </a:solidFill>
+                  <a:prstDash val="solid"/>
+                  <a:round/>
+                  <a:headEnd type="none" w="sm" len="sm"/>
+                  <a:tailEnd type="none" w="sm" len="sm"/>
+                </a:ln>
+              </p:spPr>
+              <p:txBody>
+                <a:bodyPr spcFirstLastPara="1" wrap="square" lIns="91425" tIns="91425" rIns="91425" bIns="91425" anchor="ctr" anchorCtr="0">
+                  <a:noAutofit/>
+                </a:bodyPr>
+                <a:lstStyle/>
+                <a:p>
+                  <a:pPr marL="0" lvl="0" indent="0" algn="l" rtl="0">
+                    <a:spcBef>
+                      <a:spcPts val="0"/>
+                    </a:spcBef>
+                    <a:spcAft>
+                      <a:spcPts val="0"/>
+                    </a:spcAft>
+                    <a:buNone/>
+                  </a:pPr>
+                  <a:endParaRPr/>
+                </a:p>
+              </p:txBody>
+            </p:sp>
+            <p:sp>
+              <p:nvSpPr>
+                <p:cNvPr id="72" name="Google Shape;5122;p59"/>
+                <p:cNvSpPr/>
+                <p:nvPr/>
+              </p:nvSpPr>
+              <p:spPr>
+                <a:xfrm>
+                  <a:off x="4674013" y="4676209"/>
+                  <a:ext cx="122738" cy="122738"/>
+                </a:xfrm>
+                <a:custGeom>
+                  <a:avLst/>
+                  <a:gdLst/>
+                  <a:ahLst/>
+                  <a:cxnLst/>
+                  <a:rect l="l" t="t" r="r" b="b"/>
+                  <a:pathLst>
+                    <a:path w="12379" h="12379" extrusionOk="0">
+                      <a:moveTo>
+                        <a:pt x="6190" y="0"/>
+                      </a:moveTo>
+                      <a:cubicBezTo>
+                        <a:pt x="2771" y="0"/>
+                        <a:pt x="0" y="2771"/>
+                        <a:pt x="0" y="6189"/>
+                      </a:cubicBezTo>
+                      <a:cubicBezTo>
+                        <a:pt x="0" y="9608"/>
+                        <a:pt x="2771" y="12379"/>
+                        <a:pt x="6190" y="12379"/>
+                      </a:cubicBezTo>
+                      <a:cubicBezTo>
+                        <a:pt x="9608" y="12379"/>
+                        <a:pt x="12379" y="9608"/>
+                        <a:pt x="12379" y="6189"/>
+                      </a:cubicBezTo>
+                      <a:cubicBezTo>
+                        <a:pt x="12379" y="2771"/>
+                        <a:pt x="9608" y="0"/>
+                        <a:pt x="6190" y="0"/>
+                      </a:cubicBezTo>
+                      <a:close/>
+                    </a:path>
+                  </a:pathLst>
+                </a:custGeom>
+                <a:solidFill>
+                  <a:srgbClr val="869FB2"/>
+                </a:solidFill>
+                <a:ln w="19050" cap="flat" cmpd="sng">
+                  <a:solidFill>
+                    <a:srgbClr val="869FB2"/>
+                  </a:solidFill>
+                  <a:prstDash val="solid"/>
+                  <a:round/>
+                  <a:headEnd type="none" w="sm" len="sm"/>
+                  <a:tailEnd type="none" w="sm" len="sm"/>
+                </a:ln>
+              </p:spPr>
+              <p:txBody>
+                <a:bodyPr spcFirstLastPara="1" wrap="square" lIns="91425" tIns="91425" rIns="91425" bIns="91425" anchor="ctr" anchorCtr="0">
+                  <a:noAutofit/>
+                </a:bodyPr>
+                <a:lstStyle/>
+                <a:p>
+                  <a:pPr marL="0" lvl="0" indent="0" algn="l" rtl="0">
+                    <a:spcBef>
+                      <a:spcPts val="0"/>
+                    </a:spcBef>
+                    <a:spcAft>
+                      <a:spcPts val="0"/>
+                    </a:spcAft>
+                    <a:buNone/>
+                  </a:pPr>
+                  <a:endParaRPr/>
+                </a:p>
+              </p:txBody>
+            </p:sp>
+          </p:grpSp>
+          <p:grpSp>
+            <p:nvGrpSpPr>
+              <p:cNvPr id="18" name="Google Shape;5123;p59"/>
+              <p:cNvGrpSpPr/>
+              <p:nvPr/>
+            </p:nvGrpSpPr>
+            <p:grpSpPr>
+              <a:xfrm>
+                <a:off x="1062475" y="2882501"/>
+                <a:ext cx="103104" cy="1426186"/>
+                <a:chOff x="4940438" y="3100904"/>
+                <a:chExt cx="122758" cy="1698043"/>
+              </a:xfrm>
+            </p:grpSpPr>
+            <p:sp>
+              <p:nvSpPr>
+                <p:cNvPr id="59" name="Google Shape;5124;p59"/>
+                <p:cNvSpPr/>
+                <p:nvPr/>
+              </p:nvSpPr>
+              <p:spPr>
+                <a:xfrm>
+                  <a:off x="4940438" y="3100904"/>
+                  <a:ext cx="122758" cy="122748"/>
+                </a:xfrm>
+                <a:custGeom>
+                  <a:avLst/>
+                  <a:gdLst/>
+                  <a:ahLst/>
+                  <a:cxnLst/>
+                  <a:rect l="l" t="t" r="r" b="b"/>
+                  <a:pathLst>
+                    <a:path w="12381" h="12380" extrusionOk="0">
+                      <a:moveTo>
+                        <a:pt x="6191" y="1"/>
+                      </a:moveTo>
+                      <a:cubicBezTo>
+                        <a:pt x="2771" y="1"/>
+                        <a:pt x="0" y="2772"/>
+                        <a:pt x="0" y="6190"/>
+                      </a:cubicBezTo>
+                      <a:cubicBezTo>
+                        <a:pt x="0" y="9608"/>
+                        <a:pt x="2771" y="12379"/>
+                        <a:pt x="6191" y="12379"/>
+                      </a:cubicBezTo>
+                      <a:cubicBezTo>
+                        <a:pt x="9610" y="12379"/>
+                        <a:pt x="12381" y="9608"/>
+                        <a:pt x="12381" y="6190"/>
+                      </a:cubicBezTo>
+                      <a:cubicBezTo>
+                        <a:pt x="12381" y="2772"/>
+                        <a:pt x="9610" y="1"/>
+                        <a:pt x="6191" y="1"/>
+                      </a:cubicBezTo>
+                      <a:close/>
+                    </a:path>
+                  </a:pathLst>
+                </a:custGeom>
+                <a:solidFill>
+                  <a:srgbClr val="CFD9E0"/>
+                </a:solidFill>
+                <a:ln>
+                  <a:noFill/>
+                </a:ln>
+              </p:spPr>
+              <p:txBody>
+                <a:bodyPr spcFirstLastPara="1" wrap="square" lIns="91425" tIns="91425" rIns="91425" bIns="91425" anchor="ctr" anchorCtr="0">
+                  <a:noAutofit/>
+                </a:bodyPr>
+                <a:lstStyle/>
+                <a:p>
+                  <a:pPr marL="0" lvl="0" indent="0" algn="l" rtl="0">
+                    <a:spcBef>
+                      <a:spcPts val="0"/>
+                    </a:spcBef>
+                    <a:spcAft>
+                      <a:spcPts val="0"/>
+                    </a:spcAft>
+                    <a:buNone/>
+                  </a:pPr>
+                  <a:endParaRPr/>
+                </a:p>
+              </p:txBody>
+            </p:sp>
+            <p:sp>
+              <p:nvSpPr>
+                <p:cNvPr id="60" name="Google Shape;5125;p59"/>
+                <p:cNvSpPr/>
+                <p:nvPr/>
+              </p:nvSpPr>
+              <p:spPr>
+                <a:xfrm>
+                  <a:off x="4940438" y="3363453"/>
+                  <a:ext cx="122758" cy="122758"/>
+                </a:xfrm>
+                <a:custGeom>
+                  <a:avLst/>
+                  <a:gdLst/>
+                  <a:ahLst/>
+                  <a:cxnLst/>
+                  <a:rect l="l" t="t" r="r" b="b"/>
+                  <a:pathLst>
+                    <a:path w="12381" h="12381" extrusionOk="0">
+                      <a:moveTo>
+                        <a:pt x="6191" y="0"/>
+                      </a:moveTo>
+                      <a:cubicBezTo>
+                        <a:pt x="2771" y="0"/>
+                        <a:pt x="0" y="2771"/>
+                        <a:pt x="0" y="6191"/>
+                      </a:cubicBezTo>
+                      <a:cubicBezTo>
+                        <a:pt x="0" y="9610"/>
+                        <a:pt x="2771" y="12381"/>
+                        <a:pt x="6191" y="12381"/>
+                      </a:cubicBezTo>
+                      <a:cubicBezTo>
+                        <a:pt x="9610" y="12381"/>
+                        <a:pt x="12381" y="9610"/>
+                        <a:pt x="12381" y="6191"/>
+                      </a:cubicBezTo>
+                      <a:cubicBezTo>
+                        <a:pt x="12381" y="2771"/>
+                        <a:pt x="9610" y="0"/>
+                        <a:pt x="6191" y="0"/>
+                      </a:cubicBezTo>
+                      <a:close/>
+                    </a:path>
+                  </a:pathLst>
+                </a:custGeom>
+                <a:solidFill>
+                  <a:srgbClr val="CFD9E0"/>
+                </a:solidFill>
+                <a:ln>
+                  <a:noFill/>
+                </a:ln>
+              </p:spPr>
+              <p:txBody>
+                <a:bodyPr spcFirstLastPara="1" wrap="square" lIns="91425" tIns="91425" rIns="91425" bIns="91425" anchor="ctr" anchorCtr="0">
+                  <a:noAutofit/>
+                </a:bodyPr>
+                <a:lstStyle/>
+                <a:p>
+                  <a:pPr marL="0" lvl="0" indent="0" algn="l" rtl="0">
+                    <a:spcBef>
+                      <a:spcPts val="0"/>
+                    </a:spcBef>
+                    <a:spcAft>
+                      <a:spcPts val="0"/>
+                    </a:spcAft>
+                    <a:buNone/>
+                  </a:pPr>
+                  <a:endParaRPr/>
+                </a:p>
+              </p:txBody>
+            </p:sp>
+            <p:sp>
+              <p:nvSpPr>
+                <p:cNvPr id="61" name="Google Shape;5126;p59"/>
+                <p:cNvSpPr/>
+                <p:nvPr/>
+              </p:nvSpPr>
+              <p:spPr>
+                <a:xfrm>
+                  <a:off x="4940438" y="3625992"/>
+                  <a:ext cx="122738" cy="122768"/>
+                </a:xfrm>
+                <a:custGeom>
+                  <a:avLst/>
+                  <a:gdLst/>
+                  <a:ahLst/>
+                  <a:cxnLst/>
+                  <a:rect l="l" t="t" r="r" b="b"/>
+                  <a:pathLst>
+                    <a:path w="12379" h="12382" extrusionOk="0">
+                      <a:moveTo>
+                        <a:pt x="6190" y="1"/>
+                      </a:moveTo>
+                      <a:cubicBezTo>
+                        <a:pt x="2771" y="1"/>
+                        <a:pt x="0" y="2774"/>
+                        <a:pt x="0" y="6192"/>
+                      </a:cubicBezTo>
+                      <a:cubicBezTo>
+                        <a:pt x="0" y="9610"/>
+                        <a:pt x="2771" y="12381"/>
+                        <a:pt x="6190" y="12381"/>
+                      </a:cubicBezTo>
+                      <a:cubicBezTo>
+                        <a:pt x="9608" y="12381"/>
+                        <a:pt x="12379" y="9610"/>
+                        <a:pt x="12379" y="6192"/>
+                      </a:cubicBezTo>
+                      <a:cubicBezTo>
+                        <a:pt x="12379" y="2774"/>
+                        <a:pt x="9608" y="1"/>
+                        <a:pt x="6190" y="1"/>
+                      </a:cubicBezTo>
+                      <a:close/>
+                    </a:path>
+                  </a:pathLst>
+                </a:custGeom>
+                <a:solidFill>
+                  <a:srgbClr val="CFD9E0"/>
+                </a:solidFill>
+                <a:ln>
+                  <a:noFill/>
+                </a:ln>
+              </p:spPr>
+              <p:txBody>
+                <a:bodyPr spcFirstLastPara="1" wrap="square" lIns="91425" tIns="91425" rIns="91425" bIns="91425" anchor="ctr" anchorCtr="0">
+                  <a:noAutofit/>
+                </a:bodyPr>
+                <a:lstStyle/>
+                <a:p>
+                  <a:pPr marL="0" lvl="0" indent="0" algn="l" rtl="0">
+                    <a:spcBef>
+                      <a:spcPts val="0"/>
+                    </a:spcBef>
+                    <a:spcAft>
+                      <a:spcPts val="0"/>
+                    </a:spcAft>
+                    <a:buNone/>
+                  </a:pPr>
+                  <a:endParaRPr/>
+                </a:p>
+              </p:txBody>
+            </p:sp>
+            <p:sp>
+              <p:nvSpPr>
+                <p:cNvPr id="62" name="Google Shape;5127;p59"/>
+                <p:cNvSpPr/>
+                <p:nvPr/>
+              </p:nvSpPr>
+              <p:spPr>
+                <a:xfrm>
+                  <a:off x="4940438" y="3888561"/>
+                  <a:ext cx="122738" cy="122738"/>
+                </a:xfrm>
+                <a:custGeom>
+                  <a:avLst/>
+                  <a:gdLst/>
+                  <a:ahLst/>
+                  <a:cxnLst/>
+                  <a:rect l="l" t="t" r="r" b="b"/>
+                  <a:pathLst>
+                    <a:path w="12379" h="12379" extrusionOk="0">
+                      <a:moveTo>
+                        <a:pt x="6190" y="0"/>
+                      </a:moveTo>
+                      <a:cubicBezTo>
+                        <a:pt x="2771" y="0"/>
+                        <a:pt x="0" y="2771"/>
+                        <a:pt x="0" y="6189"/>
+                      </a:cubicBezTo>
+                      <a:cubicBezTo>
+                        <a:pt x="0" y="9608"/>
+                        <a:pt x="2771" y="12379"/>
+                        <a:pt x="6190" y="12379"/>
+                      </a:cubicBezTo>
+                      <a:cubicBezTo>
+                        <a:pt x="9608" y="12379"/>
+                        <a:pt x="12379" y="9608"/>
+                        <a:pt x="12379" y="6189"/>
+                      </a:cubicBezTo>
+                      <a:cubicBezTo>
+                        <a:pt x="12379" y="2771"/>
+                        <a:pt x="9608" y="0"/>
+                        <a:pt x="6190" y="0"/>
+                      </a:cubicBezTo>
+                      <a:close/>
+                    </a:path>
+                  </a:pathLst>
+                </a:custGeom>
+                <a:solidFill>
+                  <a:srgbClr val="CFD9E0"/>
+                </a:solidFill>
+                <a:ln>
+                  <a:noFill/>
+                </a:ln>
+              </p:spPr>
+              <p:txBody>
+                <a:bodyPr spcFirstLastPara="1" wrap="square" lIns="91425" tIns="91425" rIns="91425" bIns="91425" anchor="ctr" anchorCtr="0">
+                  <a:noAutofit/>
+                </a:bodyPr>
+                <a:lstStyle/>
+                <a:p>
+                  <a:pPr marL="0" lvl="0" indent="0" algn="l" rtl="0">
+                    <a:spcBef>
+                      <a:spcPts val="0"/>
+                    </a:spcBef>
+                    <a:spcAft>
+                      <a:spcPts val="0"/>
+                    </a:spcAft>
+                    <a:buNone/>
+                  </a:pPr>
+                  <a:endParaRPr/>
+                </a:p>
+              </p:txBody>
+            </p:sp>
+            <p:sp>
+              <p:nvSpPr>
+                <p:cNvPr id="63" name="Google Shape;5128;p59"/>
+                <p:cNvSpPr/>
+                <p:nvPr/>
+              </p:nvSpPr>
+              <p:spPr>
+                <a:xfrm>
+                  <a:off x="4940438" y="4151100"/>
+                  <a:ext cx="122738" cy="122748"/>
+                </a:xfrm>
+                <a:custGeom>
+                  <a:avLst/>
+                  <a:gdLst/>
+                  <a:ahLst/>
+                  <a:cxnLst/>
+                  <a:rect l="l" t="t" r="r" b="b"/>
+                  <a:pathLst>
+                    <a:path w="12379" h="12380" extrusionOk="0">
+                      <a:moveTo>
+                        <a:pt x="6190" y="1"/>
+                      </a:moveTo>
+                      <a:cubicBezTo>
+                        <a:pt x="2771" y="1"/>
+                        <a:pt x="0" y="2772"/>
+                        <a:pt x="0" y="6190"/>
+                      </a:cubicBezTo>
+                      <a:cubicBezTo>
+                        <a:pt x="0" y="9608"/>
+                        <a:pt x="2771" y="12379"/>
+                        <a:pt x="6190" y="12379"/>
+                      </a:cubicBezTo>
+                      <a:cubicBezTo>
+                        <a:pt x="9608" y="12379"/>
+                        <a:pt x="12379" y="9608"/>
+                        <a:pt x="12379" y="6190"/>
+                      </a:cubicBezTo>
+                      <a:cubicBezTo>
+                        <a:pt x="12379" y="2772"/>
+                        <a:pt x="9608" y="1"/>
+                        <a:pt x="6190" y="1"/>
+                      </a:cubicBezTo>
+                      <a:close/>
+                    </a:path>
+                  </a:pathLst>
+                </a:custGeom>
+                <a:solidFill>
+                  <a:srgbClr val="869FB2"/>
+                </a:solidFill>
+                <a:ln w="19050" cap="flat" cmpd="sng">
+                  <a:solidFill>
+                    <a:srgbClr val="869FB2"/>
+                  </a:solidFill>
+                  <a:prstDash val="solid"/>
+                  <a:round/>
+                  <a:headEnd type="none" w="sm" len="sm"/>
+                  <a:tailEnd type="none" w="sm" len="sm"/>
+                </a:ln>
+              </p:spPr>
+              <p:txBody>
+                <a:bodyPr spcFirstLastPara="1" wrap="square" lIns="91425" tIns="91425" rIns="91425" bIns="91425" anchor="ctr" anchorCtr="0">
+                  <a:noAutofit/>
+                </a:bodyPr>
+                <a:lstStyle/>
+                <a:p>
+                  <a:pPr marL="0" lvl="0" indent="0" algn="l" rtl="0">
+                    <a:spcBef>
+                      <a:spcPts val="0"/>
+                    </a:spcBef>
+                    <a:spcAft>
+                      <a:spcPts val="0"/>
+                    </a:spcAft>
+                    <a:buNone/>
+                  </a:pPr>
+                  <a:endParaRPr/>
+                </a:p>
+              </p:txBody>
+            </p:sp>
+            <p:sp>
+              <p:nvSpPr>
+                <p:cNvPr id="64" name="Google Shape;5129;p59"/>
+                <p:cNvSpPr/>
+                <p:nvPr/>
+              </p:nvSpPr>
+              <p:spPr>
+                <a:xfrm>
+                  <a:off x="4940438" y="4413650"/>
+                  <a:ext cx="122738" cy="122758"/>
+                </a:xfrm>
+                <a:custGeom>
+                  <a:avLst/>
+                  <a:gdLst/>
+                  <a:ahLst/>
+                  <a:cxnLst/>
+                  <a:rect l="l" t="t" r="r" b="b"/>
+                  <a:pathLst>
+                    <a:path w="12379" h="12381" extrusionOk="0">
+                      <a:moveTo>
+                        <a:pt x="6190" y="0"/>
+                      </a:moveTo>
+                      <a:cubicBezTo>
+                        <a:pt x="2771" y="0"/>
+                        <a:pt x="0" y="2771"/>
+                        <a:pt x="0" y="6191"/>
+                      </a:cubicBezTo>
+                      <a:cubicBezTo>
+                        <a:pt x="0" y="9609"/>
+                        <a:pt x="2771" y="12380"/>
+                        <a:pt x="6190" y="12380"/>
+                      </a:cubicBezTo>
+                      <a:cubicBezTo>
+                        <a:pt x="9608" y="12380"/>
+                        <a:pt x="12379" y="9609"/>
+                        <a:pt x="12379" y="6191"/>
+                      </a:cubicBezTo>
+                      <a:cubicBezTo>
+                        <a:pt x="12379" y="2771"/>
+                        <a:pt x="9608" y="0"/>
+                        <a:pt x="6190" y="0"/>
+                      </a:cubicBezTo>
+                      <a:close/>
+                    </a:path>
+                  </a:pathLst>
+                </a:custGeom>
+                <a:solidFill>
+                  <a:srgbClr val="869FB2"/>
+                </a:solidFill>
+                <a:ln w="19050" cap="flat" cmpd="sng">
+                  <a:solidFill>
+                    <a:srgbClr val="869FB2"/>
+                  </a:solidFill>
+                  <a:prstDash val="solid"/>
+                  <a:round/>
+                  <a:headEnd type="none" w="sm" len="sm"/>
+                  <a:tailEnd type="none" w="sm" len="sm"/>
+                </a:ln>
+              </p:spPr>
+              <p:txBody>
+                <a:bodyPr spcFirstLastPara="1" wrap="square" lIns="91425" tIns="91425" rIns="91425" bIns="91425" anchor="ctr" anchorCtr="0">
+                  <a:noAutofit/>
+                </a:bodyPr>
+                <a:lstStyle/>
+                <a:p>
+                  <a:pPr marL="0" lvl="0" indent="0" algn="l" rtl="0">
+                    <a:spcBef>
+                      <a:spcPts val="0"/>
+                    </a:spcBef>
+                    <a:spcAft>
+                      <a:spcPts val="0"/>
+                    </a:spcAft>
+                    <a:buNone/>
+                  </a:pPr>
+                  <a:endParaRPr/>
+                </a:p>
+              </p:txBody>
+            </p:sp>
+            <p:sp>
+              <p:nvSpPr>
+                <p:cNvPr id="65" name="Google Shape;5130;p59"/>
+                <p:cNvSpPr/>
+                <p:nvPr/>
+              </p:nvSpPr>
+              <p:spPr>
+                <a:xfrm>
+                  <a:off x="4940438" y="4676209"/>
+                  <a:ext cx="122738" cy="122738"/>
+                </a:xfrm>
+                <a:custGeom>
+                  <a:avLst/>
+                  <a:gdLst/>
+                  <a:ahLst/>
+                  <a:cxnLst/>
+                  <a:rect l="l" t="t" r="r" b="b"/>
+                  <a:pathLst>
+                    <a:path w="12379" h="12379" extrusionOk="0">
+                      <a:moveTo>
+                        <a:pt x="6190" y="0"/>
+                      </a:moveTo>
+                      <a:cubicBezTo>
+                        <a:pt x="2771" y="0"/>
+                        <a:pt x="0" y="2771"/>
+                        <a:pt x="0" y="6189"/>
+                      </a:cubicBezTo>
+                      <a:cubicBezTo>
+                        <a:pt x="0" y="9608"/>
+                        <a:pt x="2771" y="12379"/>
+                        <a:pt x="6190" y="12379"/>
+                      </a:cubicBezTo>
+                      <a:cubicBezTo>
+                        <a:pt x="9608" y="12379"/>
+                        <a:pt x="12379" y="9608"/>
+                        <a:pt x="12379" y="6189"/>
+                      </a:cubicBezTo>
+                      <a:cubicBezTo>
+                        <a:pt x="12379" y="2771"/>
+                        <a:pt x="9608" y="0"/>
+                        <a:pt x="6190" y="0"/>
+                      </a:cubicBezTo>
+                      <a:close/>
+                    </a:path>
+                  </a:pathLst>
+                </a:custGeom>
+                <a:solidFill>
+                  <a:srgbClr val="869FB2"/>
+                </a:solidFill>
+                <a:ln w="19050" cap="flat" cmpd="sng">
+                  <a:solidFill>
+                    <a:srgbClr val="869FB2"/>
+                  </a:solidFill>
+                  <a:prstDash val="solid"/>
+                  <a:round/>
+                  <a:headEnd type="none" w="sm" len="sm"/>
+                  <a:tailEnd type="none" w="sm" len="sm"/>
+                </a:ln>
+              </p:spPr>
+              <p:txBody>
+                <a:bodyPr spcFirstLastPara="1" wrap="square" lIns="91425" tIns="91425" rIns="91425" bIns="91425" anchor="ctr" anchorCtr="0">
+                  <a:noAutofit/>
+                </a:bodyPr>
+                <a:lstStyle/>
+                <a:p>
+                  <a:pPr marL="0" lvl="0" indent="0" algn="l" rtl="0">
+                    <a:spcBef>
+                      <a:spcPts val="0"/>
+                    </a:spcBef>
+                    <a:spcAft>
+                      <a:spcPts val="0"/>
+                    </a:spcAft>
+                    <a:buNone/>
+                  </a:pPr>
+                  <a:endParaRPr/>
+                </a:p>
+              </p:txBody>
+            </p:sp>
+          </p:grpSp>
+          <p:grpSp>
+            <p:nvGrpSpPr>
+              <p:cNvPr id="19" name="Google Shape;5131;p59"/>
+              <p:cNvGrpSpPr/>
+              <p:nvPr/>
+            </p:nvGrpSpPr>
+            <p:grpSpPr>
+              <a:xfrm>
+                <a:off x="1299324" y="2882501"/>
+                <a:ext cx="103104" cy="1426186"/>
+                <a:chOff x="5206863" y="3100904"/>
+                <a:chExt cx="122758" cy="1698043"/>
+              </a:xfrm>
+            </p:grpSpPr>
+            <p:sp>
+              <p:nvSpPr>
+                <p:cNvPr id="52" name="Google Shape;5132;p59"/>
+                <p:cNvSpPr/>
+                <p:nvPr/>
+              </p:nvSpPr>
+              <p:spPr>
+                <a:xfrm>
+                  <a:off x="5206863" y="3100904"/>
+                  <a:ext cx="122758" cy="122748"/>
+                </a:xfrm>
+                <a:custGeom>
+                  <a:avLst/>
+                  <a:gdLst/>
+                  <a:ahLst/>
+                  <a:cxnLst/>
+                  <a:rect l="l" t="t" r="r" b="b"/>
+                  <a:pathLst>
+                    <a:path w="12381" h="12380" extrusionOk="0">
+                      <a:moveTo>
+                        <a:pt x="6191" y="1"/>
+                      </a:moveTo>
+                      <a:cubicBezTo>
+                        <a:pt x="2771" y="1"/>
+                        <a:pt x="0" y="2772"/>
+                        <a:pt x="0" y="6190"/>
+                      </a:cubicBezTo>
+                      <a:cubicBezTo>
+                        <a:pt x="0" y="9608"/>
+                        <a:pt x="2771" y="12379"/>
+                        <a:pt x="6191" y="12379"/>
+                      </a:cubicBezTo>
+                      <a:cubicBezTo>
+                        <a:pt x="9610" y="12379"/>
+                        <a:pt x="12381" y="9608"/>
+                        <a:pt x="12381" y="6190"/>
+                      </a:cubicBezTo>
+                      <a:cubicBezTo>
+                        <a:pt x="12381" y="2772"/>
+                        <a:pt x="9610" y="1"/>
+                        <a:pt x="6191" y="1"/>
+                      </a:cubicBezTo>
+                      <a:close/>
+                    </a:path>
+                  </a:pathLst>
+                </a:custGeom>
+                <a:solidFill>
+                  <a:srgbClr val="CFD9E0"/>
+                </a:solidFill>
+                <a:ln>
+                  <a:noFill/>
+                </a:ln>
+              </p:spPr>
+              <p:txBody>
+                <a:bodyPr spcFirstLastPara="1" wrap="square" lIns="91425" tIns="91425" rIns="91425" bIns="91425" anchor="ctr" anchorCtr="0">
+                  <a:noAutofit/>
+                </a:bodyPr>
+                <a:lstStyle/>
+                <a:p>
+                  <a:pPr marL="0" lvl="0" indent="0" algn="l" rtl="0">
+                    <a:spcBef>
+                      <a:spcPts val="0"/>
+                    </a:spcBef>
+                    <a:spcAft>
+                      <a:spcPts val="0"/>
+                    </a:spcAft>
+                    <a:buNone/>
+                  </a:pPr>
+                  <a:endParaRPr/>
+                </a:p>
+              </p:txBody>
+            </p:sp>
+            <p:sp>
+              <p:nvSpPr>
+                <p:cNvPr id="53" name="Google Shape;5133;p59"/>
+                <p:cNvSpPr/>
+                <p:nvPr/>
+              </p:nvSpPr>
+              <p:spPr>
+                <a:xfrm>
+                  <a:off x="5206863" y="3363453"/>
+                  <a:ext cx="122758" cy="122758"/>
+                </a:xfrm>
+                <a:custGeom>
+                  <a:avLst/>
+                  <a:gdLst/>
+                  <a:ahLst/>
+                  <a:cxnLst/>
+                  <a:rect l="l" t="t" r="r" b="b"/>
+                  <a:pathLst>
+                    <a:path w="12381" h="12381" extrusionOk="0">
+                      <a:moveTo>
+                        <a:pt x="6191" y="0"/>
+                      </a:moveTo>
+                      <a:cubicBezTo>
+                        <a:pt x="2771" y="0"/>
+                        <a:pt x="0" y="2771"/>
+                        <a:pt x="0" y="6191"/>
+                      </a:cubicBezTo>
+                      <a:cubicBezTo>
+                        <a:pt x="0" y="9610"/>
+                        <a:pt x="2771" y="12381"/>
+                        <a:pt x="6191" y="12381"/>
+                      </a:cubicBezTo>
+                      <a:cubicBezTo>
+                        <a:pt x="9610" y="12381"/>
+                        <a:pt x="12381" y="9610"/>
+                        <a:pt x="12381" y="6191"/>
+                      </a:cubicBezTo>
+                      <a:cubicBezTo>
+                        <a:pt x="12381" y="2771"/>
+                        <a:pt x="9610" y="0"/>
+                        <a:pt x="6191" y="0"/>
+                      </a:cubicBezTo>
+                      <a:close/>
+                    </a:path>
+                  </a:pathLst>
+                </a:custGeom>
+                <a:solidFill>
+                  <a:srgbClr val="CFD9E0"/>
+                </a:solidFill>
+                <a:ln>
+                  <a:noFill/>
+                </a:ln>
+              </p:spPr>
+              <p:txBody>
+                <a:bodyPr spcFirstLastPara="1" wrap="square" lIns="91425" tIns="91425" rIns="91425" bIns="91425" anchor="ctr" anchorCtr="0">
+                  <a:noAutofit/>
+                </a:bodyPr>
+                <a:lstStyle/>
+                <a:p>
+                  <a:pPr marL="0" lvl="0" indent="0" algn="l" rtl="0">
+                    <a:spcBef>
+                      <a:spcPts val="0"/>
+                    </a:spcBef>
+                    <a:spcAft>
+                      <a:spcPts val="0"/>
+                    </a:spcAft>
+                    <a:buNone/>
+                  </a:pPr>
+                  <a:endParaRPr/>
+                </a:p>
+              </p:txBody>
+            </p:sp>
+            <p:sp>
+              <p:nvSpPr>
+                <p:cNvPr id="54" name="Google Shape;5134;p59"/>
+                <p:cNvSpPr/>
+                <p:nvPr/>
+              </p:nvSpPr>
+              <p:spPr>
+                <a:xfrm>
+                  <a:off x="5206863" y="3625992"/>
+                  <a:ext cx="122738" cy="122768"/>
+                </a:xfrm>
+                <a:custGeom>
+                  <a:avLst/>
+                  <a:gdLst/>
+                  <a:ahLst/>
+                  <a:cxnLst/>
+                  <a:rect l="l" t="t" r="r" b="b"/>
+                  <a:pathLst>
+                    <a:path w="12379" h="12382" extrusionOk="0">
+                      <a:moveTo>
+                        <a:pt x="6190" y="1"/>
+                      </a:moveTo>
+                      <a:cubicBezTo>
+                        <a:pt x="2771" y="1"/>
+                        <a:pt x="0" y="2774"/>
+                        <a:pt x="0" y="6192"/>
+                      </a:cubicBezTo>
+                      <a:cubicBezTo>
+                        <a:pt x="0" y="9610"/>
+                        <a:pt x="2771" y="12381"/>
+                        <a:pt x="6190" y="12381"/>
+                      </a:cubicBezTo>
+                      <a:cubicBezTo>
+                        <a:pt x="9608" y="12381"/>
+                        <a:pt x="12379" y="9610"/>
+                        <a:pt x="12379" y="6192"/>
+                      </a:cubicBezTo>
+                      <a:cubicBezTo>
+                        <a:pt x="12379" y="2774"/>
+                        <a:pt x="9608" y="1"/>
+                        <a:pt x="6190" y="1"/>
+                      </a:cubicBezTo>
+                      <a:close/>
+                    </a:path>
+                  </a:pathLst>
+                </a:custGeom>
+                <a:solidFill>
+                  <a:srgbClr val="CFD9E0"/>
+                </a:solidFill>
+                <a:ln>
+                  <a:noFill/>
+                </a:ln>
+              </p:spPr>
+              <p:txBody>
+                <a:bodyPr spcFirstLastPara="1" wrap="square" lIns="91425" tIns="91425" rIns="91425" bIns="91425" anchor="ctr" anchorCtr="0">
+                  <a:noAutofit/>
+                </a:bodyPr>
+                <a:lstStyle/>
+                <a:p>
+                  <a:pPr marL="0" lvl="0" indent="0" algn="l" rtl="0">
+                    <a:spcBef>
+                      <a:spcPts val="0"/>
+                    </a:spcBef>
+                    <a:spcAft>
+                      <a:spcPts val="0"/>
+                    </a:spcAft>
+                    <a:buNone/>
+                  </a:pPr>
+                  <a:endParaRPr/>
+                </a:p>
+              </p:txBody>
+            </p:sp>
+            <p:sp>
+              <p:nvSpPr>
+                <p:cNvPr id="55" name="Google Shape;5135;p59"/>
+                <p:cNvSpPr/>
+                <p:nvPr/>
+              </p:nvSpPr>
+              <p:spPr>
+                <a:xfrm>
+                  <a:off x="5206863" y="3888561"/>
+                  <a:ext cx="122738" cy="122738"/>
+                </a:xfrm>
+                <a:custGeom>
+                  <a:avLst/>
+                  <a:gdLst/>
+                  <a:ahLst/>
+                  <a:cxnLst/>
+                  <a:rect l="l" t="t" r="r" b="b"/>
+                  <a:pathLst>
+                    <a:path w="12379" h="12379" extrusionOk="0">
+                      <a:moveTo>
+                        <a:pt x="6190" y="0"/>
+                      </a:moveTo>
+                      <a:cubicBezTo>
+                        <a:pt x="2771" y="0"/>
+                        <a:pt x="0" y="2771"/>
+                        <a:pt x="0" y="6189"/>
+                      </a:cubicBezTo>
+                      <a:cubicBezTo>
+                        <a:pt x="0" y="9608"/>
+                        <a:pt x="2771" y="12379"/>
+                        <a:pt x="6190" y="12379"/>
+                      </a:cubicBezTo>
+                      <a:cubicBezTo>
+                        <a:pt x="9608" y="12379"/>
+                        <a:pt x="12379" y="9608"/>
+                        <a:pt x="12379" y="6189"/>
+                      </a:cubicBezTo>
+                      <a:cubicBezTo>
+                        <a:pt x="12379" y="2771"/>
+                        <a:pt x="9608" y="0"/>
+                        <a:pt x="6190" y="0"/>
+                      </a:cubicBezTo>
+                      <a:close/>
+                    </a:path>
+                  </a:pathLst>
+                </a:custGeom>
+                <a:solidFill>
+                  <a:srgbClr val="CFD9E0"/>
+                </a:solidFill>
+                <a:ln>
+                  <a:noFill/>
+                </a:ln>
+              </p:spPr>
+              <p:txBody>
+                <a:bodyPr spcFirstLastPara="1" wrap="square" lIns="91425" tIns="91425" rIns="91425" bIns="91425" anchor="ctr" anchorCtr="0">
+                  <a:noAutofit/>
+                </a:bodyPr>
+                <a:lstStyle/>
+                <a:p>
+                  <a:pPr marL="0" lvl="0" indent="0" algn="l" rtl="0">
+                    <a:spcBef>
+                      <a:spcPts val="0"/>
+                    </a:spcBef>
+                    <a:spcAft>
+                      <a:spcPts val="0"/>
+                    </a:spcAft>
+                    <a:buNone/>
+                  </a:pPr>
+                  <a:endParaRPr/>
+                </a:p>
+              </p:txBody>
+            </p:sp>
+            <p:sp>
+              <p:nvSpPr>
+                <p:cNvPr id="56" name="Google Shape;5136;p59"/>
+                <p:cNvSpPr/>
+                <p:nvPr/>
+              </p:nvSpPr>
+              <p:spPr>
+                <a:xfrm>
+                  <a:off x="5206863" y="4151100"/>
+                  <a:ext cx="122738" cy="122748"/>
+                </a:xfrm>
+                <a:custGeom>
+                  <a:avLst/>
+                  <a:gdLst/>
+                  <a:ahLst/>
+                  <a:cxnLst/>
+                  <a:rect l="l" t="t" r="r" b="b"/>
+                  <a:pathLst>
+                    <a:path w="12379" h="12380" extrusionOk="0">
+                      <a:moveTo>
+                        <a:pt x="6190" y="1"/>
+                      </a:moveTo>
+                      <a:cubicBezTo>
+                        <a:pt x="2771" y="1"/>
+                        <a:pt x="0" y="2772"/>
+                        <a:pt x="0" y="6190"/>
+                      </a:cubicBezTo>
+                      <a:cubicBezTo>
+                        <a:pt x="0" y="9608"/>
+                        <a:pt x="2771" y="12379"/>
+                        <a:pt x="6190" y="12379"/>
+                      </a:cubicBezTo>
+                      <a:cubicBezTo>
+                        <a:pt x="9608" y="12379"/>
+                        <a:pt x="12379" y="9608"/>
+                        <a:pt x="12379" y="6190"/>
+                      </a:cubicBezTo>
+                      <a:cubicBezTo>
+                        <a:pt x="12379" y="2772"/>
+                        <a:pt x="9608" y="1"/>
+                        <a:pt x="6190" y="1"/>
+                      </a:cubicBezTo>
+                      <a:close/>
+                    </a:path>
+                  </a:pathLst>
+                </a:custGeom>
+                <a:solidFill>
+                  <a:srgbClr val="CFD9E0"/>
+                </a:solidFill>
+                <a:ln>
+                  <a:noFill/>
+                </a:ln>
+              </p:spPr>
+              <p:txBody>
+                <a:bodyPr spcFirstLastPara="1" wrap="square" lIns="91425" tIns="91425" rIns="91425" bIns="91425" anchor="ctr" anchorCtr="0">
+                  <a:noAutofit/>
+                </a:bodyPr>
+                <a:lstStyle/>
+                <a:p>
+                  <a:pPr marL="0" lvl="0" indent="0" algn="l" rtl="0">
+                    <a:spcBef>
+                      <a:spcPts val="0"/>
+                    </a:spcBef>
+                    <a:spcAft>
+                      <a:spcPts val="0"/>
+                    </a:spcAft>
+                    <a:buNone/>
+                  </a:pPr>
+                  <a:endParaRPr/>
+                </a:p>
+              </p:txBody>
+            </p:sp>
+            <p:sp>
+              <p:nvSpPr>
+                <p:cNvPr id="57" name="Google Shape;5137;p59"/>
+                <p:cNvSpPr/>
+                <p:nvPr/>
+              </p:nvSpPr>
+              <p:spPr>
+                <a:xfrm>
+                  <a:off x="5206863" y="4413650"/>
+                  <a:ext cx="122738" cy="122758"/>
+                </a:xfrm>
+                <a:custGeom>
+                  <a:avLst/>
+                  <a:gdLst/>
+                  <a:ahLst/>
+                  <a:cxnLst/>
+                  <a:rect l="l" t="t" r="r" b="b"/>
+                  <a:pathLst>
+                    <a:path w="12379" h="12381" extrusionOk="0">
+                      <a:moveTo>
+                        <a:pt x="6190" y="0"/>
+                      </a:moveTo>
+                      <a:cubicBezTo>
+                        <a:pt x="2771" y="0"/>
+                        <a:pt x="0" y="2771"/>
+                        <a:pt x="0" y="6191"/>
+                      </a:cubicBezTo>
+                      <a:cubicBezTo>
+                        <a:pt x="0" y="9609"/>
+                        <a:pt x="2771" y="12380"/>
+                        <a:pt x="6190" y="12380"/>
+                      </a:cubicBezTo>
+                      <a:cubicBezTo>
+                        <a:pt x="9608" y="12380"/>
+                        <a:pt x="12379" y="9609"/>
+                        <a:pt x="12379" y="6191"/>
+                      </a:cubicBezTo>
+                      <a:cubicBezTo>
+                        <a:pt x="12379" y="2771"/>
+                        <a:pt x="9608" y="0"/>
+                        <a:pt x="6190" y="0"/>
+                      </a:cubicBezTo>
+                      <a:close/>
+                    </a:path>
+                  </a:pathLst>
+                </a:custGeom>
+                <a:solidFill>
+                  <a:srgbClr val="869FB2"/>
+                </a:solidFill>
+                <a:ln w="19050" cap="flat" cmpd="sng">
+                  <a:solidFill>
+                    <a:srgbClr val="869FB2"/>
+                  </a:solidFill>
+                  <a:prstDash val="solid"/>
+                  <a:round/>
+                  <a:headEnd type="none" w="sm" len="sm"/>
+                  <a:tailEnd type="none" w="sm" len="sm"/>
+                </a:ln>
+              </p:spPr>
+              <p:txBody>
+                <a:bodyPr spcFirstLastPara="1" wrap="square" lIns="91425" tIns="91425" rIns="91425" bIns="91425" anchor="ctr" anchorCtr="0">
+                  <a:noAutofit/>
+                </a:bodyPr>
+                <a:lstStyle/>
+                <a:p>
+                  <a:pPr marL="0" lvl="0" indent="0" algn="l" rtl="0">
+                    <a:spcBef>
+                      <a:spcPts val="0"/>
+                    </a:spcBef>
+                    <a:spcAft>
+                      <a:spcPts val="0"/>
+                    </a:spcAft>
+                    <a:buNone/>
+                  </a:pPr>
+                  <a:endParaRPr/>
+                </a:p>
+              </p:txBody>
+            </p:sp>
+            <p:sp>
+              <p:nvSpPr>
+                <p:cNvPr id="58" name="Google Shape;5138;p59"/>
+                <p:cNvSpPr/>
+                <p:nvPr/>
+              </p:nvSpPr>
+              <p:spPr>
+                <a:xfrm>
+                  <a:off x="5206863" y="4676209"/>
+                  <a:ext cx="122738" cy="122738"/>
+                </a:xfrm>
+                <a:custGeom>
+                  <a:avLst/>
+                  <a:gdLst/>
+                  <a:ahLst/>
+                  <a:cxnLst/>
+                  <a:rect l="l" t="t" r="r" b="b"/>
+                  <a:pathLst>
+                    <a:path w="12379" h="12379" extrusionOk="0">
+                      <a:moveTo>
+                        <a:pt x="6190" y="0"/>
+                      </a:moveTo>
+                      <a:cubicBezTo>
+                        <a:pt x="2771" y="0"/>
+                        <a:pt x="0" y="2771"/>
+                        <a:pt x="0" y="6189"/>
+                      </a:cubicBezTo>
+                      <a:cubicBezTo>
+                        <a:pt x="0" y="9608"/>
+                        <a:pt x="2771" y="12379"/>
+                        <a:pt x="6190" y="12379"/>
+                      </a:cubicBezTo>
+                      <a:cubicBezTo>
+                        <a:pt x="9608" y="12379"/>
+                        <a:pt x="12379" y="9608"/>
+                        <a:pt x="12379" y="6189"/>
+                      </a:cubicBezTo>
+                      <a:cubicBezTo>
+                        <a:pt x="12379" y="2771"/>
+                        <a:pt x="9608" y="0"/>
+                        <a:pt x="6190" y="0"/>
+                      </a:cubicBezTo>
+                      <a:close/>
+                    </a:path>
+                  </a:pathLst>
+                </a:custGeom>
+                <a:solidFill>
+                  <a:srgbClr val="869FB2"/>
+                </a:solidFill>
+                <a:ln w="19050" cap="flat" cmpd="sng">
+                  <a:solidFill>
+                    <a:srgbClr val="869FB2"/>
+                  </a:solidFill>
+                  <a:prstDash val="solid"/>
+                  <a:round/>
+                  <a:headEnd type="none" w="sm" len="sm"/>
+                  <a:tailEnd type="none" w="sm" len="sm"/>
+                </a:ln>
+              </p:spPr>
+              <p:txBody>
+                <a:bodyPr spcFirstLastPara="1" wrap="square" lIns="91425" tIns="91425" rIns="91425" bIns="91425" anchor="ctr" anchorCtr="0">
+                  <a:noAutofit/>
+                </a:bodyPr>
+                <a:lstStyle/>
+                <a:p>
+                  <a:pPr marL="0" lvl="0" indent="0" algn="l" rtl="0">
+                    <a:spcBef>
+                      <a:spcPts val="0"/>
+                    </a:spcBef>
+                    <a:spcAft>
+                      <a:spcPts val="0"/>
+                    </a:spcAft>
+                    <a:buNone/>
+                  </a:pPr>
+                  <a:endParaRPr/>
+                </a:p>
+              </p:txBody>
+            </p:sp>
+          </p:grpSp>
+          <p:grpSp>
+            <p:nvGrpSpPr>
+              <p:cNvPr id="20" name="Google Shape;5139;p59"/>
+              <p:cNvGrpSpPr/>
+              <p:nvPr/>
+            </p:nvGrpSpPr>
+            <p:grpSpPr>
+              <a:xfrm>
+                <a:off x="1786057" y="2882501"/>
+                <a:ext cx="103104" cy="1426186"/>
+                <a:chOff x="6006138" y="3143629"/>
+                <a:chExt cx="122758" cy="1698043"/>
+              </a:xfrm>
+            </p:grpSpPr>
+            <p:sp>
+              <p:nvSpPr>
+                <p:cNvPr id="45" name="Google Shape;5140;p59"/>
+                <p:cNvSpPr/>
+                <p:nvPr/>
+              </p:nvSpPr>
+              <p:spPr>
+                <a:xfrm>
+                  <a:off x="6006138" y="3143629"/>
+                  <a:ext cx="122758" cy="122748"/>
+                </a:xfrm>
+                <a:custGeom>
+                  <a:avLst/>
+                  <a:gdLst/>
+                  <a:ahLst/>
+                  <a:cxnLst/>
+                  <a:rect l="l" t="t" r="r" b="b"/>
+                  <a:pathLst>
+                    <a:path w="12381" h="12380" extrusionOk="0">
+                      <a:moveTo>
+                        <a:pt x="6191" y="1"/>
+                      </a:moveTo>
+                      <a:cubicBezTo>
+                        <a:pt x="2771" y="1"/>
+                        <a:pt x="0" y="2772"/>
+                        <a:pt x="0" y="6190"/>
+                      </a:cubicBezTo>
+                      <a:cubicBezTo>
+                        <a:pt x="0" y="9608"/>
+                        <a:pt x="2771" y="12379"/>
+                        <a:pt x="6191" y="12379"/>
+                      </a:cubicBezTo>
+                      <a:cubicBezTo>
+                        <a:pt x="9610" y="12379"/>
+                        <a:pt x="12381" y="9608"/>
+                        <a:pt x="12381" y="6190"/>
+                      </a:cubicBezTo>
+                      <a:cubicBezTo>
+                        <a:pt x="12381" y="2772"/>
+                        <a:pt x="9610" y="1"/>
+                        <a:pt x="6191" y="1"/>
+                      </a:cubicBezTo>
+                      <a:close/>
+                    </a:path>
+                  </a:pathLst>
+                </a:custGeom>
+                <a:solidFill>
+                  <a:srgbClr val="CFD9E0"/>
+                </a:solidFill>
+                <a:ln>
+                  <a:noFill/>
+                </a:ln>
+              </p:spPr>
+              <p:txBody>
+                <a:bodyPr spcFirstLastPara="1" wrap="square" lIns="91425" tIns="91425" rIns="91425" bIns="91425" anchor="ctr" anchorCtr="0">
+                  <a:noAutofit/>
+                </a:bodyPr>
+                <a:lstStyle/>
+                <a:p>
+                  <a:pPr marL="0" lvl="0" indent="0" algn="l" rtl="0">
+                    <a:spcBef>
+                      <a:spcPts val="0"/>
+                    </a:spcBef>
+                    <a:spcAft>
+                      <a:spcPts val="0"/>
+                    </a:spcAft>
+                    <a:buNone/>
+                  </a:pPr>
+                  <a:endParaRPr/>
+                </a:p>
+              </p:txBody>
+            </p:sp>
+            <p:sp>
+              <p:nvSpPr>
+                <p:cNvPr id="46" name="Google Shape;5141;p59"/>
+                <p:cNvSpPr/>
+                <p:nvPr/>
+              </p:nvSpPr>
+              <p:spPr>
+                <a:xfrm>
+                  <a:off x="6006138" y="3406178"/>
+                  <a:ext cx="122758" cy="122758"/>
+                </a:xfrm>
+                <a:custGeom>
+                  <a:avLst/>
+                  <a:gdLst/>
+                  <a:ahLst/>
+                  <a:cxnLst/>
+                  <a:rect l="l" t="t" r="r" b="b"/>
+                  <a:pathLst>
+                    <a:path w="12381" h="12381" extrusionOk="0">
+                      <a:moveTo>
+                        <a:pt x="6191" y="0"/>
+                      </a:moveTo>
+                      <a:cubicBezTo>
+                        <a:pt x="2771" y="0"/>
+                        <a:pt x="0" y="2771"/>
+                        <a:pt x="0" y="6191"/>
+                      </a:cubicBezTo>
+                      <a:cubicBezTo>
+                        <a:pt x="0" y="9610"/>
+                        <a:pt x="2771" y="12381"/>
+                        <a:pt x="6191" y="12381"/>
+                      </a:cubicBezTo>
+                      <a:cubicBezTo>
+                        <a:pt x="9610" y="12381"/>
+                        <a:pt x="12381" y="9610"/>
+                        <a:pt x="12381" y="6191"/>
+                      </a:cubicBezTo>
+                      <a:cubicBezTo>
+                        <a:pt x="12381" y="2771"/>
+                        <a:pt x="9610" y="0"/>
+                        <a:pt x="6191" y="0"/>
+                      </a:cubicBezTo>
+                      <a:close/>
+                    </a:path>
+                  </a:pathLst>
+                </a:custGeom>
+                <a:solidFill>
+                  <a:srgbClr val="CFD9E0"/>
+                </a:solidFill>
+                <a:ln>
+                  <a:noFill/>
+                </a:ln>
+              </p:spPr>
+              <p:txBody>
+                <a:bodyPr spcFirstLastPara="1" wrap="square" lIns="91425" tIns="91425" rIns="91425" bIns="91425" anchor="ctr" anchorCtr="0">
+                  <a:noAutofit/>
+                </a:bodyPr>
+                <a:lstStyle/>
+                <a:p>
+                  <a:pPr marL="0" lvl="0" indent="0" algn="l" rtl="0">
+                    <a:spcBef>
+                      <a:spcPts val="0"/>
+                    </a:spcBef>
+                    <a:spcAft>
+                      <a:spcPts val="0"/>
+                    </a:spcAft>
+                    <a:buNone/>
+                  </a:pPr>
+                  <a:endParaRPr/>
+                </a:p>
+              </p:txBody>
+            </p:sp>
+            <p:sp>
+              <p:nvSpPr>
+                <p:cNvPr id="47" name="Google Shape;5142;p59"/>
+                <p:cNvSpPr/>
+                <p:nvPr/>
+              </p:nvSpPr>
+              <p:spPr>
+                <a:xfrm>
+                  <a:off x="6006138" y="3668717"/>
+                  <a:ext cx="122738" cy="122768"/>
+                </a:xfrm>
+                <a:custGeom>
+                  <a:avLst/>
+                  <a:gdLst/>
+                  <a:ahLst/>
+                  <a:cxnLst/>
+                  <a:rect l="l" t="t" r="r" b="b"/>
+                  <a:pathLst>
+                    <a:path w="12379" h="12382" extrusionOk="0">
+                      <a:moveTo>
+                        <a:pt x="6190" y="1"/>
+                      </a:moveTo>
+                      <a:cubicBezTo>
+                        <a:pt x="2771" y="1"/>
+                        <a:pt x="0" y="2774"/>
+                        <a:pt x="0" y="6192"/>
+                      </a:cubicBezTo>
+                      <a:cubicBezTo>
+                        <a:pt x="0" y="9610"/>
+                        <a:pt x="2771" y="12381"/>
+                        <a:pt x="6190" y="12381"/>
+                      </a:cubicBezTo>
+                      <a:cubicBezTo>
+                        <a:pt x="9608" y="12381"/>
+                        <a:pt x="12379" y="9610"/>
+                        <a:pt x="12379" y="6192"/>
+                      </a:cubicBezTo>
+                      <a:cubicBezTo>
+                        <a:pt x="12379" y="2774"/>
+                        <a:pt x="9608" y="1"/>
+                        <a:pt x="6190" y="1"/>
+                      </a:cubicBezTo>
+                      <a:close/>
+                    </a:path>
+                  </a:pathLst>
+                </a:custGeom>
+                <a:solidFill>
+                  <a:srgbClr val="CFD9E0"/>
+                </a:solidFill>
+                <a:ln>
+                  <a:noFill/>
+                </a:ln>
+              </p:spPr>
+              <p:txBody>
+                <a:bodyPr spcFirstLastPara="1" wrap="square" lIns="91425" tIns="91425" rIns="91425" bIns="91425" anchor="ctr" anchorCtr="0">
+                  <a:noAutofit/>
+                </a:bodyPr>
+                <a:lstStyle/>
+                <a:p>
+                  <a:pPr marL="0" lvl="0" indent="0" algn="l" rtl="0">
+                    <a:spcBef>
+                      <a:spcPts val="0"/>
+                    </a:spcBef>
+                    <a:spcAft>
+                      <a:spcPts val="0"/>
+                    </a:spcAft>
+                    <a:buNone/>
+                  </a:pPr>
+                  <a:endParaRPr/>
+                </a:p>
+              </p:txBody>
+            </p:sp>
+            <p:sp>
+              <p:nvSpPr>
+                <p:cNvPr id="48" name="Google Shape;5143;p59"/>
+                <p:cNvSpPr/>
+                <p:nvPr/>
+              </p:nvSpPr>
+              <p:spPr>
+                <a:xfrm>
+                  <a:off x="6006138" y="3931286"/>
+                  <a:ext cx="122738" cy="122738"/>
+                </a:xfrm>
+                <a:custGeom>
+                  <a:avLst/>
+                  <a:gdLst/>
+                  <a:ahLst/>
+                  <a:cxnLst/>
+                  <a:rect l="l" t="t" r="r" b="b"/>
+                  <a:pathLst>
+                    <a:path w="12379" h="12379" extrusionOk="0">
+                      <a:moveTo>
+                        <a:pt x="6190" y="0"/>
+                      </a:moveTo>
+                      <a:cubicBezTo>
+                        <a:pt x="2771" y="0"/>
+                        <a:pt x="0" y="2771"/>
+                        <a:pt x="0" y="6189"/>
+                      </a:cubicBezTo>
+                      <a:cubicBezTo>
+                        <a:pt x="0" y="9608"/>
+                        <a:pt x="2771" y="12379"/>
+                        <a:pt x="6190" y="12379"/>
+                      </a:cubicBezTo>
+                      <a:cubicBezTo>
+                        <a:pt x="9608" y="12379"/>
+                        <a:pt x="12379" y="9608"/>
+                        <a:pt x="12379" y="6189"/>
+                      </a:cubicBezTo>
+                      <a:cubicBezTo>
+                        <a:pt x="12379" y="2771"/>
+                        <a:pt x="9608" y="0"/>
+                        <a:pt x="6190" y="0"/>
+                      </a:cubicBezTo>
+                      <a:close/>
+                    </a:path>
+                  </a:pathLst>
+                </a:custGeom>
+                <a:solidFill>
+                  <a:srgbClr val="869FB2"/>
+                </a:solidFill>
+                <a:ln w="19050" cap="flat" cmpd="sng">
+                  <a:solidFill>
+                    <a:srgbClr val="869FB2"/>
+                  </a:solidFill>
+                  <a:prstDash val="solid"/>
+                  <a:round/>
+                  <a:headEnd type="none" w="sm" len="sm"/>
+                  <a:tailEnd type="none" w="sm" len="sm"/>
+                </a:ln>
+              </p:spPr>
+              <p:txBody>
+                <a:bodyPr spcFirstLastPara="1" wrap="square" lIns="91425" tIns="91425" rIns="91425" bIns="91425" anchor="ctr" anchorCtr="0">
+                  <a:noAutofit/>
+                </a:bodyPr>
+                <a:lstStyle/>
+                <a:p>
+                  <a:pPr marL="0" lvl="0" indent="0" algn="l" rtl="0">
+                    <a:spcBef>
+                      <a:spcPts val="0"/>
+                    </a:spcBef>
+                    <a:spcAft>
+                      <a:spcPts val="0"/>
+                    </a:spcAft>
+                    <a:buNone/>
+                  </a:pPr>
+                  <a:endParaRPr/>
+                </a:p>
+              </p:txBody>
+            </p:sp>
+            <p:sp>
+              <p:nvSpPr>
+                <p:cNvPr id="49" name="Google Shape;5144;p59"/>
+                <p:cNvSpPr/>
+                <p:nvPr/>
+              </p:nvSpPr>
+              <p:spPr>
+                <a:xfrm>
+                  <a:off x="6006138" y="4193825"/>
+                  <a:ext cx="122738" cy="122748"/>
+                </a:xfrm>
+                <a:custGeom>
+                  <a:avLst/>
+                  <a:gdLst/>
+                  <a:ahLst/>
+                  <a:cxnLst/>
+                  <a:rect l="l" t="t" r="r" b="b"/>
+                  <a:pathLst>
+                    <a:path w="12379" h="12380" extrusionOk="0">
+                      <a:moveTo>
+                        <a:pt x="6190" y="1"/>
+                      </a:moveTo>
+                      <a:cubicBezTo>
+                        <a:pt x="2771" y="1"/>
+                        <a:pt x="0" y="2772"/>
+                        <a:pt x="0" y="6190"/>
+                      </a:cubicBezTo>
+                      <a:cubicBezTo>
+                        <a:pt x="0" y="9608"/>
+                        <a:pt x="2771" y="12379"/>
+                        <a:pt x="6190" y="12379"/>
+                      </a:cubicBezTo>
+                      <a:cubicBezTo>
+                        <a:pt x="9608" y="12379"/>
+                        <a:pt x="12379" y="9608"/>
+                        <a:pt x="12379" y="6190"/>
+                      </a:cubicBezTo>
+                      <a:cubicBezTo>
+                        <a:pt x="12379" y="2772"/>
+                        <a:pt x="9608" y="1"/>
+                        <a:pt x="6190" y="1"/>
+                      </a:cubicBezTo>
+                      <a:close/>
+                    </a:path>
+                  </a:pathLst>
+                </a:custGeom>
+                <a:solidFill>
+                  <a:srgbClr val="869FB2"/>
+                </a:solidFill>
+                <a:ln w="19050" cap="flat" cmpd="sng">
+                  <a:solidFill>
+                    <a:srgbClr val="869FB2"/>
+                  </a:solidFill>
+                  <a:prstDash val="solid"/>
+                  <a:round/>
+                  <a:headEnd type="none" w="sm" len="sm"/>
+                  <a:tailEnd type="none" w="sm" len="sm"/>
+                </a:ln>
+              </p:spPr>
+              <p:txBody>
+                <a:bodyPr spcFirstLastPara="1" wrap="square" lIns="91425" tIns="91425" rIns="91425" bIns="91425" anchor="ctr" anchorCtr="0">
+                  <a:noAutofit/>
+                </a:bodyPr>
+                <a:lstStyle/>
+                <a:p>
+                  <a:pPr marL="0" lvl="0" indent="0" algn="l" rtl="0">
+                    <a:spcBef>
+                      <a:spcPts val="0"/>
+                    </a:spcBef>
+                    <a:spcAft>
+                      <a:spcPts val="0"/>
+                    </a:spcAft>
+                    <a:buNone/>
+                  </a:pPr>
+                  <a:endParaRPr/>
+                </a:p>
+              </p:txBody>
+            </p:sp>
+            <p:sp>
+              <p:nvSpPr>
+                <p:cNvPr id="50" name="Google Shape;5145;p59"/>
+                <p:cNvSpPr/>
+                <p:nvPr/>
+              </p:nvSpPr>
+              <p:spPr>
+                <a:xfrm>
+                  <a:off x="6006138" y="4456375"/>
+                  <a:ext cx="122738" cy="122758"/>
+                </a:xfrm>
+                <a:custGeom>
+                  <a:avLst/>
+                  <a:gdLst/>
+                  <a:ahLst/>
+                  <a:cxnLst/>
+                  <a:rect l="l" t="t" r="r" b="b"/>
+                  <a:pathLst>
+                    <a:path w="12379" h="12381" extrusionOk="0">
+                      <a:moveTo>
+                        <a:pt x="6190" y="0"/>
+                      </a:moveTo>
+                      <a:cubicBezTo>
+                        <a:pt x="2771" y="0"/>
+                        <a:pt x="0" y="2771"/>
+                        <a:pt x="0" y="6191"/>
+                      </a:cubicBezTo>
+                      <a:cubicBezTo>
+                        <a:pt x="0" y="9609"/>
+                        <a:pt x="2771" y="12380"/>
+                        <a:pt x="6190" y="12380"/>
+                      </a:cubicBezTo>
+                      <a:cubicBezTo>
+                        <a:pt x="9608" y="12380"/>
+                        <a:pt x="12379" y="9609"/>
+                        <a:pt x="12379" y="6191"/>
+                      </a:cubicBezTo>
+                      <a:cubicBezTo>
+                        <a:pt x="12379" y="2771"/>
+                        <a:pt x="9608" y="0"/>
+                        <a:pt x="6190" y="0"/>
+                      </a:cubicBezTo>
+                      <a:close/>
+                    </a:path>
+                  </a:pathLst>
+                </a:custGeom>
+                <a:solidFill>
+                  <a:srgbClr val="869FB2"/>
+                </a:solidFill>
+                <a:ln w="19050" cap="flat" cmpd="sng">
+                  <a:solidFill>
+                    <a:srgbClr val="869FB2"/>
+                  </a:solidFill>
+                  <a:prstDash val="solid"/>
+                  <a:round/>
+                  <a:headEnd type="none" w="sm" len="sm"/>
+                  <a:tailEnd type="none" w="sm" len="sm"/>
+                </a:ln>
+              </p:spPr>
+              <p:txBody>
+                <a:bodyPr spcFirstLastPara="1" wrap="square" lIns="91425" tIns="91425" rIns="91425" bIns="91425" anchor="ctr" anchorCtr="0">
+                  <a:noAutofit/>
+                </a:bodyPr>
+                <a:lstStyle/>
+                <a:p>
+                  <a:pPr marL="0" lvl="0" indent="0" algn="l" rtl="0">
+                    <a:spcBef>
+                      <a:spcPts val="0"/>
+                    </a:spcBef>
+                    <a:spcAft>
+                      <a:spcPts val="0"/>
+                    </a:spcAft>
+                    <a:buNone/>
+                  </a:pPr>
+                  <a:endParaRPr/>
+                </a:p>
+              </p:txBody>
+            </p:sp>
+            <p:sp>
+              <p:nvSpPr>
+                <p:cNvPr id="51" name="Google Shape;5146;p59"/>
+                <p:cNvSpPr/>
+                <p:nvPr/>
+              </p:nvSpPr>
+              <p:spPr>
+                <a:xfrm>
+                  <a:off x="6006138" y="4718934"/>
+                  <a:ext cx="122738" cy="122738"/>
+                </a:xfrm>
+                <a:custGeom>
+                  <a:avLst/>
+                  <a:gdLst/>
+                  <a:ahLst/>
+                  <a:cxnLst/>
+                  <a:rect l="l" t="t" r="r" b="b"/>
+                  <a:pathLst>
+                    <a:path w="12379" h="12379" extrusionOk="0">
+                      <a:moveTo>
+                        <a:pt x="6190" y="0"/>
+                      </a:moveTo>
+                      <a:cubicBezTo>
+                        <a:pt x="2771" y="0"/>
+                        <a:pt x="0" y="2771"/>
+                        <a:pt x="0" y="6189"/>
+                      </a:cubicBezTo>
+                      <a:cubicBezTo>
+                        <a:pt x="0" y="9608"/>
+                        <a:pt x="2771" y="12379"/>
+                        <a:pt x="6190" y="12379"/>
+                      </a:cubicBezTo>
+                      <a:cubicBezTo>
+                        <a:pt x="9608" y="12379"/>
+                        <a:pt x="12379" y="9608"/>
+                        <a:pt x="12379" y="6189"/>
+                      </a:cubicBezTo>
+                      <a:cubicBezTo>
+                        <a:pt x="12379" y="2771"/>
+                        <a:pt x="9608" y="0"/>
+                        <a:pt x="6190" y="0"/>
+                      </a:cubicBezTo>
+                      <a:close/>
+                    </a:path>
+                  </a:pathLst>
+                </a:custGeom>
+                <a:solidFill>
+                  <a:srgbClr val="869FB2"/>
+                </a:solidFill>
+                <a:ln w="19050" cap="flat" cmpd="sng">
+                  <a:solidFill>
+                    <a:srgbClr val="869FB2"/>
+                  </a:solidFill>
+                  <a:prstDash val="solid"/>
+                  <a:round/>
+                  <a:headEnd type="none" w="sm" len="sm"/>
+                  <a:tailEnd type="none" w="sm" len="sm"/>
+                </a:ln>
+              </p:spPr>
+              <p:txBody>
+                <a:bodyPr spcFirstLastPara="1" wrap="square" lIns="91425" tIns="91425" rIns="91425" bIns="91425" anchor="ctr" anchorCtr="0">
+                  <a:noAutofit/>
+                </a:bodyPr>
+                <a:lstStyle/>
+                <a:p>
+                  <a:pPr marL="0" lvl="0" indent="0" algn="l" rtl="0">
+                    <a:spcBef>
+                      <a:spcPts val="0"/>
+                    </a:spcBef>
+                    <a:spcAft>
+                      <a:spcPts val="0"/>
+                    </a:spcAft>
+                    <a:buNone/>
+                  </a:pPr>
+                  <a:endParaRPr/>
+                </a:p>
+              </p:txBody>
+            </p:sp>
+          </p:grpSp>
+          <p:grpSp>
+            <p:nvGrpSpPr>
+              <p:cNvPr id="21" name="Google Shape;5147;p59"/>
+              <p:cNvGrpSpPr/>
+              <p:nvPr/>
+            </p:nvGrpSpPr>
+            <p:grpSpPr>
+              <a:xfrm>
+                <a:off x="2029422" y="2882501"/>
+                <a:ext cx="103104" cy="1426186"/>
+                <a:chOff x="6805413" y="3100904"/>
+                <a:chExt cx="122758" cy="1698043"/>
+              </a:xfrm>
+            </p:grpSpPr>
+            <p:sp>
+              <p:nvSpPr>
+                <p:cNvPr id="38" name="Google Shape;5148;p59"/>
+                <p:cNvSpPr/>
+                <p:nvPr/>
+              </p:nvSpPr>
+              <p:spPr>
+                <a:xfrm>
+                  <a:off x="6805413" y="3100904"/>
+                  <a:ext cx="122758" cy="122748"/>
+                </a:xfrm>
+                <a:custGeom>
+                  <a:avLst/>
+                  <a:gdLst/>
+                  <a:ahLst/>
+                  <a:cxnLst/>
+                  <a:rect l="l" t="t" r="r" b="b"/>
+                  <a:pathLst>
+                    <a:path w="12381" h="12380" extrusionOk="0">
+                      <a:moveTo>
+                        <a:pt x="6191" y="1"/>
+                      </a:moveTo>
+                      <a:cubicBezTo>
+                        <a:pt x="2771" y="1"/>
+                        <a:pt x="0" y="2772"/>
+                        <a:pt x="0" y="6190"/>
+                      </a:cubicBezTo>
+                      <a:cubicBezTo>
+                        <a:pt x="0" y="9608"/>
+                        <a:pt x="2771" y="12379"/>
+                        <a:pt x="6191" y="12379"/>
+                      </a:cubicBezTo>
+                      <a:cubicBezTo>
+                        <a:pt x="9610" y="12379"/>
+                        <a:pt x="12381" y="9608"/>
+                        <a:pt x="12381" y="6190"/>
+                      </a:cubicBezTo>
+                      <a:cubicBezTo>
+                        <a:pt x="12381" y="2772"/>
+                        <a:pt x="9610" y="1"/>
+                        <a:pt x="6191" y="1"/>
+                      </a:cubicBezTo>
+                      <a:close/>
+                    </a:path>
+                  </a:pathLst>
+                </a:custGeom>
+                <a:solidFill>
+                  <a:srgbClr val="CFD9E0"/>
+                </a:solidFill>
+                <a:ln>
+                  <a:noFill/>
+                </a:ln>
+              </p:spPr>
+              <p:txBody>
+                <a:bodyPr spcFirstLastPara="1" wrap="square" lIns="91425" tIns="91425" rIns="91425" bIns="91425" anchor="ctr" anchorCtr="0">
+                  <a:noAutofit/>
+                </a:bodyPr>
+                <a:lstStyle/>
+                <a:p>
+                  <a:pPr marL="0" lvl="0" indent="0" algn="l" rtl="0">
+                    <a:spcBef>
+                      <a:spcPts val="0"/>
+                    </a:spcBef>
+                    <a:spcAft>
+                      <a:spcPts val="0"/>
+                    </a:spcAft>
+                    <a:buNone/>
+                  </a:pPr>
+                  <a:endParaRPr/>
+                </a:p>
+              </p:txBody>
+            </p:sp>
+            <p:sp>
+              <p:nvSpPr>
+                <p:cNvPr id="39" name="Google Shape;5149;p59"/>
+                <p:cNvSpPr/>
+                <p:nvPr/>
+              </p:nvSpPr>
+              <p:spPr>
+                <a:xfrm>
+                  <a:off x="6805413" y="3363453"/>
+                  <a:ext cx="122758" cy="122758"/>
+                </a:xfrm>
+                <a:custGeom>
+                  <a:avLst/>
+                  <a:gdLst/>
+                  <a:ahLst/>
+                  <a:cxnLst/>
+                  <a:rect l="l" t="t" r="r" b="b"/>
+                  <a:pathLst>
+                    <a:path w="12381" h="12381" extrusionOk="0">
+                      <a:moveTo>
+                        <a:pt x="6191" y="0"/>
+                      </a:moveTo>
+                      <a:cubicBezTo>
+                        <a:pt x="2771" y="0"/>
+                        <a:pt x="0" y="2771"/>
+                        <a:pt x="0" y="6191"/>
+                      </a:cubicBezTo>
+                      <a:cubicBezTo>
+                        <a:pt x="0" y="9610"/>
+                        <a:pt x="2771" y="12381"/>
+                        <a:pt x="6191" y="12381"/>
+                      </a:cubicBezTo>
+                      <a:cubicBezTo>
+                        <a:pt x="9610" y="12381"/>
+                        <a:pt x="12381" y="9610"/>
+                        <a:pt x="12381" y="6191"/>
+                      </a:cubicBezTo>
+                      <a:cubicBezTo>
+                        <a:pt x="12381" y="2771"/>
+                        <a:pt x="9610" y="0"/>
+                        <a:pt x="6191" y="0"/>
+                      </a:cubicBezTo>
+                      <a:close/>
+                    </a:path>
+                  </a:pathLst>
+                </a:custGeom>
+                <a:solidFill>
+                  <a:srgbClr val="CFD9E0"/>
+                </a:solidFill>
+                <a:ln>
+                  <a:noFill/>
+                </a:ln>
+              </p:spPr>
+              <p:txBody>
+                <a:bodyPr spcFirstLastPara="1" wrap="square" lIns="91425" tIns="91425" rIns="91425" bIns="91425" anchor="ctr" anchorCtr="0">
+                  <a:noAutofit/>
+                </a:bodyPr>
+                <a:lstStyle/>
+                <a:p>
+                  <a:pPr marL="0" lvl="0" indent="0" algn="l" rtl="0">
+                    <a:spcBef>
+                      <a:spcPts val="0"/>
+                    </a:spcBef>
+                    <a:spcAft>
+                      <a:spcPts val="0"/>
+                    </a:spcAft>
+                    <a:buNone/>
+                  </a:pPr>
+                  <a:endParaRPr/>
+                </a:p>
+              </p:txBody>
+            </p:sp>
+            <p:sp>
+              <p:nvSpPr>
+                <p:cNvPr id="40" name="Google Shape;5150;p59"/>
+                <p:cNvSpPr/>
+                <p:nvPr/>
+              </p:nvSpPr>
+              <p:spPr>
+                <a:xfrm>
+                  <a:off x="6805413" y="3625992"/>
+                  <a:ext cx="122738" cy="122768"/>
+                </a:xfrm>
+                <a:custGeom>
+                  <a:avLst/>
+                  <a:gdLst/>
+                  <a:ahLst/>
+                  <a:cxnLst/>
+                  <a:rect l="l" t="t" r="r" b="b"/>
+                  <a:pathLst>
+                    <a:path w="12379" h="12382" extrusionOk="0">
+                      <a:moveTo>
+                        <a:pt x="6190" y="1"/>
+                      </a:moveTo>
+                      <a:cubicBezTo>
+                        <a:pt x="2771" y="1"/>
+                        <a:pt x="0" y="2774"/>
+                        <a:pt x="0" y="6192"/>
+                      </a:cubicBezTo>
+                      <a:cubicBezTo>
+                        <a:pt x="0" y="9610"/>
+                        <a:pt x="2771" y="12381"/>
+                        <a:pt x="6190" y="12381"/>
+                      </a:cubicBezTo>
+                      <a:cubicBezTo>
+                        <a:pt x="9608" y="12381"/>
+                        <a:pt x="12379" y="9610"/>
+                        <a:pt x="12379" y="6192"/>
+                      </a:cubicBezTo>
+                      <a:cubicBezTo>
+                        <a:pt x="12379" y="2774"/>
+                        <a:pt x="9608" y="1"/>
+                        <a:pt x="6190" y="1"/>
+                      </a:cubicBezTo>
+                      <a:close/>
+                    </a:path>
+                  </a:pathLst>
+                </a:custGeom>
+                <a:solidFill>
+                  <a:srgbClr val="CFD9E0"/>
+                </a:solidFill>
+                <a:ln>
+                  <a:noFill/>
+                </a:ln>
+              </p:spPr>
+              <p:txBody>
+                <a:bodyPr spcFirstLastPara="1" wrap="square" lIns="91425" tIns="91425" rIns="91425" bIns="91425" anchor="ctr" anchorCtr="0">
+                  <a:noAutofit/>
+                </a:bodyPr>
+                <a:lstStyle/>
+                <a:p>
+                  <a:pPr marL="0" lvl="0" indent="0" algn="l" rtl="0">
+                    <a:spcBef>
+                      <a:spcPts val="0"/>
+                    </a:spcBef>
+                    <a:spcAft>
+                      <a:spcPts val="0"/>
+                    </a:spcAft>
+                    <a:buNone/>
+                  </a:pPr>
+                  <a:endParaRPr/>
+                </a:p>
+              </p:txBody>
+            </p:sp>
+            <p:sp>
+              <p:nvSpPr>
+                <p:cNvPr id="41" name="Google Shape;5151;p59"/>
+                <p:cNvSpPr/>
+                <p:nvPr/>
+              </p:nvSpPr>
+              <p:spPr>
+                <a:xfrm>
+                  <a:off x="6805413" y="3888561"/>
+                  <a:ext cx="122738" cy="122738"/>
+                </a:xfrm>
+                <a:custGeom>
+                  <a:avLst/>
+                  <a:gdLst/>
+                  <a:ahLst/>
+                  <a:cxnLst/>
+                  <a:rect l="l" t="t" r="r" b="b"/>
+                  <a:pathLst>
+                    <a:path w="12379" h="12379" extrusionOk="0">
+                      <a:moveTo>
+                        <a:pt x="6190" y="0"/>
+                      </a:moveTo>
+                      <a:cubicBezTo>
+                        <a:pt x="2771" y="0"/>
+                        <a:pt x="0" y="2771"/>
+                        <a:pt x="0" y="6189"/>
+                      </a:cubicBezTo>
+                      <a:cubicBezTo>
+                        <a:pt x="0" y="9608"/>
+                        <a:pt x="2771" y="12379"/>
+                        <a:pt x="6190" y="12379"/>
+                      </a:cubicBezTo>
+                      <a:cubicBezTo>
+                        <a:pt x="9608" y="12379"/>
+                        <a:pt x="12379" y="9608"/>
+                        <a:pt x="12379" y="6189"/>
+                      </a:cubicBezTo>
+                      <a:cubicBezTo>
+                        <a:pt x="12379" y="2771"/>
+                        <a:pt x="9608" y="0"/>
+                        <a:pt x="6190" y="0"/>
+                      </a:cubicBezTo>
+                      <a:close/>
+                    </a:path>
+                  </a:pathLst>
+                </a:custGeom>
+                <a:solidFill>
+                  <a:srgbClr val="CFD9E0"/>
+                </a:solidFill>
+                <a:ln>
+                  <a:noFill/>
+                </a:ln>
+              </p:spPr>
+              <p:txBody>
+                <a:bodyPr spcFirstLastPara="1" wrap="square" lIns="91425" tIns="91425" rIns="91425" bIns="91425" anchor="ctr" anchorCtr="0">
+                  <a:noAutofit/>
+                </a:bodyPr>
+                <a:lstStyle/>
+                <a:p>
+                  <a:pPr marL="0" lvl="0" indent="0" algn="l" rtl="0">
+                    <a:spcBef>
+                      <a:spcPts val="0"/>
+                    </a:spcBef>
+                    <a:spcAft>
+                      <a:spcPts val="0"/>
+                    </a:spcAft>
+                    <a:buNone/>
+                  </a:pPr>
+                  <a:endParaRPr/>
+                </a:p>
+              </p:txBody>
+            </p:sp>
+            <p:sp>
+              <p:nvSpPr>
+                <p:cNvPr id="42" name="Google Shape;5152;p59"/>
+                <p:cNvSpPr/>
+                <p:nvPr/>
+              </p:nvSpPr>
+              <p:spPr>
+                <a:xfrm>
+                  <a:off x="6805413" y="4151100"/>
+                  <a:ext cx="122738" cy="122748"/>
+                </a:xfrm>
+                <a:custGeom>
+                  <a:avLst/>
+                  <a:gdLst/>
+                  <a:ahLst/>
+                  <a:cxnLst/>
+                  <a:rect l="l" t="t" r="r" b="b"/>
+                  <a:pathLst>
+                    <a:path w="12379" h="12380" extrusionOk="0">
+                      <a:moveTo>
+                        <a:pt x="6190" y="1"/>
+                      </a:moveTo>
+                      <a:cubicBezTo>
+                        <a:pt x="2771" y="1"/>
+                        <a:pt x="0" y="2772"/>
+                        <a:pt x="0" y="6190"/>
+                      </a:cubicBezTo>
+                      <a:cubicBezTo>
+                        <a:pt x="0" y="9608"/>
+                        <a:pt x="2771" y="12379"/>
+                        <a:pt x="6190" y="12379"/>
+                      </a:cubicBezTo>
+                      <a:cubicBezTo>
+                        <a:pt x="9608" y="12379"/>
+                        <a:pt x="12379" y="9608"/>
+                        <a:pt x="12379" y="6190"/>
+                      </a:cubicBezTo>
+                      <a:cubicBezTo>
+                        <a:pt x="12379" y="2772"/>
+                        <a:pt x="9608" y="1"/>
+                        <a:pt x="6190" y="1"/>
+                      </a:cubicBezTo>
+                      <a:close/>
+                    </a:path>
+                  </a:pathLst>
+                </a:custGeom>
+                <a:solidFill>
+                  <a:srgbClr val="CFD9E0"/>
+                </a:solidFill>
+                <a:ln>
+                  <a:noFill/>
+                </a:ln>
+              </p:spPr>
+              <p:txBody>
+                <a:bodyPr spcFirstLastPara="1" wrap="square" lIns="91425" tIns="91425" rIns="91425" bIns="91425" anchor="ctr" anchorCtr="0">
+                  <a:noAutofit/>
+                </a:bodyPr>
+                <a:lstStyle/>
+                <a:p>
+                  <a:pPr marL="0" lvl="0" indent="0" algn="l" rtl="0">
+                    <a:spcBef>
+                      <a:spcPts val="0"/>
+                    </a:spcBef>
+                    <a:spcAft>
+                      <a:spcPts val="0"/>
+                    </a:spcAft>
+                    <a:buNone/>
+                  </a:pPr>
+                  <a:endParaRPr/>
+                </a:p>
+              </p:txBody>
+            </p:sp>
+            <p:sp>
+              <p:nvSpPr>
+                <p:cNvPr id="43" name="Google Shape;5153;p59"/>
+                <p:cNvSpPr/>
+                <p:nvPr/>
+              </p:nvSpPr>
+              <p:spPr>
+                <a:xfrm>
+                  <a:off x="6805413" y="4413650"/>
+                  <a:ext cx="122738" cy="122758"/>
+                </a:xfrm>
+                <a:custGeom>
+                  <a:avLst/>
+                  <a:gdLst/>
+                  <a:ahLst/>
+                  <a:cxnLst/>
+                  <a:rect l="l" t="t" r="r" b="b"/>
+                  <a:pathLst>
+                    <a:path w="12379" h="12381" extrusionOk="0">
+                      <a:moveTo>
+                        <a:pt x="6190" y="0"/>
+                      </a:moveTo>
+                      <a:cubicBezTo>
+                        <a:pt x="2771" y="0"/>
+                        <a:pt x="0" y="2771"/>
+                        <a:pt x="0" y="6191"/>
+                      </a:cubicBezTo>
+                      <a:cubicBezTo>
+                        <a:pt x="0" y="9609"/>
+                        <a:pt x="2771" y="12380"/>
+                        <a:pt x="6190" y="12380"/>
+                      </a:cubicBezTo>
+                      <a:cubicBezTo>
+                        <a:pt x="9608" y="12380"/>
+                        <a:pt x="12379" y="9609"/>
+                        <a:pt x="12379" y="6191"/>
+                      </a:cubicBezTo>
+                      <a:cubicBezTo>
+                        <a:pt x="12379" y="2771"/>
+                        <a:pt x="9608" y="0"/>
+                        <a:pt x="6190" y="0"/>
+                      </a:cubicBezTo>
+                      <a:close/>
+                    </a:path>
+                  </a:pathLst>
+                </a:custGeom>
+                <a:solidFill>
+                  <a:srgbClr val="CFD9E0"/>
+                </a:solidFill>
+                <a:ln>
+                  <a:noFill/>
+                </a:ln>
+              </p:spPr>
+              <p:txBody>
+                <a:bodyPr spcFirstLastPara="1" wrap="square" lIns="91425" tIns="91425" rIns="91425" bIns="91425" anchor="ctr" anchorCtr="0">
+                  <a:noAutofit/>
+                </a:bodyPr>
+                <a:lstStyle/>
+                <a:p>
+                  <a:pPr marL="0" lvl="0" indent="0" algn="l" rtl="0">
+                    <a:spcBef>
+                      <a:spcPts val="0"/>
+                    </a:spcBef>
+                    <a:spcAft>
+                      <a:spcPts val="0"/>
+                    </a:spcAft>
+                    <a:buNone/>
+                  </a:pPr>
+                  <a:endParaRPr/>
+                </a:p>
+              </p:txBody>
+            </p:sp>
+            <p:sp>
+              <p:nvSpPr>
+                <p:cNvPr id="44" name="Google Shape;5154;p59"/>
+                <p:cNvSpPr/>
+                <p:nvPr/>
+              </p:nvSpPr>
+              <p:spPr>
+                <a:xfrm>
+                  <a:off x="6805413" y="4676209"/>
+                  <a:ext cx="122738" cy="122738"/>
+                </a:xfrm>
+                <a:custGeom>
+                  <a:avLst/>
+                  <a:gdLst/>
+                  <a:ahLst/>
+                  <a:cxnLst/>
+                  <a:rect l="l" t="t" r="r" b="b"/>
+                  <a:pathLst>
+                    <a:path w="12379" h="12379" extrusionOk="0">
+                      <a:moveTo>
+                        <a:pt x="6190" y="0"/>
+                      </a:moveTo>
+                      <a:cubicBezTo>
+                        <a:pt x="2771" y="0"/>
+                        <a:pt x="0" y="2771"/>
+                        <a:pt x="0" y="6189"/>
+                      </a:cubicBezTo>
+                      <a:cubicBezTo>
+                        <a:pt x="0" y="9608"/>
+                        <a:pt x="2771" y="12379"/>
+                        <a:pt x="6190" y="12379"/>
+                      </a:cubicBezTo>
+                      <a:cubicBezTo>
+                        <a:pt x="9608" y="12379"/>
+                        <a:pt x="12379" y="9608"/>
+                        <a:pt x="12379" y="6189"/>
+                      </a:cubicBezTo>
+                      <a:cubicBezTo>
+                        <a:pt x="12379" y="2771"/>
+                        <a:pt x="9608" y="0"/>
+                        <a:pt x="6190" y="0"/>
+                      </a:cubicBezTo>
+                      <a:close/>
+                    </a:path>
+                  </a:pathLst>
+                </a:custGeom>
+                <a:solidFill>
+                  <a:srgbClr val="869FB2"/>
+                </a:solidFill>
+                <a:ln w="19050" cap="flat" cmpd="sng">
+                  <a:solidFill>
+                    <a:srgbClr val="869FB2"/>
+                  </a:solidFill>
+                  <a:prstDash val="solid"/>
+                  <a:round/>
+                  <a:headEnd type="none" w="sm" len="sm"/>
+                  <a:tailEnd type="none" w="sm" len="sm"/>
+                </a:ln>
+              </p:spPr>
+              <p:txBody>
+                <a:bodyPr spcFirstLastPara="1" wrap="square" lIns="91425" tIns="91425" rIns="91425" bIns="91425" anchor="ctr" anchorCtr="0">
+                  <a:noAutofit/>
+                </a:bodyPr>
+                <a:lstStyle/>
+                <a:p>
+                  <a:pPr marL="0" lvl="0" indent="0" algn="l" rtl="0">
+                    <a:spcBef>
+                      <a:spcPts val="0"/>
+                    </a:spcBef>
+                    <a:spcAft>
+                      <a:spcPts val="0"/>
+                    </a:spcAft>
+                    <a:buNone/>
+                  </a:pPr>
+                  <a:endParaRPr/>
+                </a:p>
+              </p:txBody>
+            </p:sp>
+          </p:grpSp>
+          <p:grpSp>
+            <p:nvGrpSpPr>
+              <p:cNvPr id="22" name="Google Shape;5155;p59"/>
+              <p:cNvGrpSpPr/>
+              <p:nvPr/>
+            </p:nvGrpSpPr>
+            <p:grpSpPr>
+              <a:xfrm>
+                <a:off x="2272795" y="2882501"/>
+                <a:ext cx="103104" cy="1426186"/>
+                <a:chOff x="5206863" y="3100904"/>
+                <a:chExt cx="122758" cy="1698043"/>
+              </a:xfrm>
+            </p:grpSpPr>
+            <p:sp>
+              <p:nvSpPr>
+                <p:cNvPr id="31" name="Google Shape;5156;p59"/>
+                <p:cNvSpPr/>
+                <p:nvPr/>
+              </p:nvSpPr>
+              <p:spPr>
+                <a:xfrm>
+                  <a:off x="5206863" y="3100904"/>
+                  <a:ext cx="122758" cy="122748"/>
+                </a:xfrm>
+                <a:custGeom>
+                  <a:avLst/>
+                  <a:gdLst/>
+                  <a:ahLst/>
+                  <a:cxnLst/>
+                  <a:rect l="l" t="t" r="r" b="b"/>
+                  <a:pathLst>
+                    <a:path w="12381" h="12380" extrusionOk="0">
+                      <a:moveTo>
+                        <a:pt x="6191" y="1"/>
+                      </a:moveTo>
+                      <a:cubicBezTo>
+                        <a:pt x="2771" y="1"/>
+                        <a:pt x="0" y="2772"/>
+                        <a:pt x="0" y="6190"/>
+                      </a:cubicBezTo>
+                      <a:cubicBezTo>
+                        <a:pt x="0" y="9608"/>
+                        <a:pt x="2771" y="12379"/>
+                        <a:pt x="6191" y="12379"/>
+                      </a:cubicBezTo>
+                      <a:cubicBezTo>
+                        <a:pt x="9610" y="12379"/>
+                        <a:pt x="12381" y="9608"/>
+                        <a:pt x="12381" y="6190"/>
+                      </a:cubicBezTo>
+                      <a:cubicBezTo>
+                        <a:pt x="12381" y="2772"/>
+                        <a:pt x="9610" y="1"/>
+                        <a:pt x="6191" y="1"/>
+                      </a:cubicBezTo>
+                      <a:close/>
+                    </a:path>
+                  </a:pathLst>
+                </a:custGeom>
+                <a:solidFill>
+                  <a:srgbClr val="CFD9E0"/>
+                </a:solidFill>
+                <a:ln>
+                  <a:noFill/>
+                </a:ln>
+              </p:spPr>
+              <p:txBody>
+                <a:bodyPr spcFirstLastPara="1" wrap="square" lIns="91425" tIns="91425" rIns="91425" bIns="91425" anchor="ctr" anchorCtr="0">
+                  <a:noAutofit/>
+                </a:bodyPr>
+                <a:lstStyle/>
+                <a:p>
+                  <a:pPr marL="0" lvl="0" indent="0" algn="l" rtl="0">
+                    <a:spcBef>
+                      <a:spcPts val="0"/>
+                    </a:spcBef>
+                    <a:spcAft>
+                      <a:spcPts val="0"/>
+                    </a:spcAft>
+                    <a:buNone/>
+                  </a:pPr>
+                  <a:endParaRPr/>
+                </a:p>
+              </p:txBody>
+            </p:sp>
+            <p:sp>
+              <p:nvSpPr>
+                <p:cNvPr id="32" name="Google Shape;5157;p59"/>
+                <p:cNvSpPr/>
+                <p:nvPr/>
+              </p:nvSpPr>
+              <p:spPr>
+                <a:xfrm>
+                  <a:off x="5206863" y="3363453"/>
+                  <a:ext cx="122758" cy="122758"/>
+                </a:xfrm>
+                <a:custGeom>
+                  <a:avLst/>
+                  <a:gdLst/>
+                  <a:ahLst/>
+                  <a:cxnLst/>
+                  <a:rect l="l" t="t" r="r" b="b"/>
+                  <a:pathLst>
+                    <a:path w="12381" h="12381" extrusionOk="0">
+                      <a:moveTo>
+                        <a:pt x="6191" y="0"/>
+                      </a:moveTo>
+                      <a:cubicBezTo>
+                        <a:pt x="2771" y="0"/>
+                        <a:pt x="0" y="2771"/>
+                        <a:pt x="0" y="6191"/>
+                      </a:cubicBezTo>
+                      <a:cubicBezTo>
+                        <a:pt x="0" y="9610"/>
+                        <a:pt x="2771" y="12381"/>
+                        <a:pt x="6191" y="12381"/>
+                      </a:cubicBezTo>
+                      <a:cubicBezTo>
+                        <a:pt x="9610" y="12381"/>
+                        <a:pt x="12381" y="9610"/>
+                        <a:pt x="12381" y="6191"/>
+                      </a:cubicBezTo>
+                      <a:cubicBezTo>
+                        <a:pt x="12381" y="2771"/>
+                        <a:pt x="9610" y="0"/>
+                        <a:pt x="6191" y="0"/>
+                      </a:cubicBezTo>
+                      <a:close/>
+                    </a:path>
+                  </a:pathLst>
+                </a:custGeom>
+                <a:solidFill>
+                  <a:srgbClr val="CFD9E0"/>
+                </a:solidFill>
+                <a:ln>
+                  <a:noFill/>
+                </a:ln>
+              </p:spPr>
+              <p:txBody>
+                <a:bodyPr spcFirstLastPara="1" wrap="square" lIns="91425" tIns="91425" rIns="91425" bIns="91425" anchor="ctr" anchorCtr="0">
+                  <a:noAutofit/>
+                </a:bodyPr>
+                <a:lstStyle/>
+                <a:p>
+                  <a:pPr marL="0" lvl="0" indent="0" algn="l" rtl="0">
+                    <a:spcBef>
+                      <a:spcPts val="0"/>
+                    </a:spcBef>
+                    <a:spcAft>
+                      <a:spcPts val="0"/>
+                    </a:spcAft>
+                    <a:buNone/>
+                  </a:pPr>
+                  <a:endParaRPr/>
+                </a:p>
+              </p:txBody>
+            </p:sp>
+            <p:sp>
+              <p:nvSpPr>
+                <p:cNvPr id="33" name="Google Shape;5158;p59"/>
+                <p:cNvSpPr/>
+                <p:nvPr/>
+              </p:nvSpPr>
+              <p:spPr>
+                <a:xfrm>
+                  <a:off x="5206863" y="3625992"/>
+                  <a:ext cx="122738" cy="122768"/>
+                </a:xfrm>
+                <a:custGeom>
+                  <a:avLst/>
+                  <a:gdLst/>
+                  <a:ahLst/>
+                  <a:cxnLst/>
+                  <a:rect l="l" t="t" r="r" b="b"/>
+                  <a:pathLst>
+                    <a:path w="12379" h="12382" extrusionOk="0">
+                      <a:moveTo>
+                        <a:pt x="6190" y="1"/>
+                      </a:moveTo>
+                      <a:cubicBezTo>
+                        <a:pt x="2771" y="1"/>
+                        <a:pt x="0" y="2774"/>
+                        <a:pt x="0" y="6192"/>
+                      </a:cubicBezTo>
+                      <a:cubicBezTo>
+                        <a:pt x="0" y="9610"/>
+                        <a:pt x="2771" y="12381"/>
+                        <a:pt x="6190" y="12381"/>
+                      </a:cubicBezTo>
+                      <a:cubicBezTo>
+                        <a:pt x="9608" y="12381"/>
+                        <a:pt x="12379" y="9610"/>
+                        <a:pt x="12379" y="6192"/>
+                      </a:cubicBezTo>
+                      <a:cubicBezTo>
+                        <a:pt x="12379" y="2774"/>
+                        <a:pt x="9608" y="1"/>
+                        <a:pt x="6190" y="1"/>
+                      </a:cubicBezTo>
+                      <a:close/>
+                    </a:path>
+                  </a:pathLst>
+                </a:custGeom>
+                <a:solidFill>
+                  <a:srgbClr val="CFD9E0"/>
+                </a:solidFill>
+                <a:ln>
+                  <a:noFill/>
+                </a:ln>
+              </p:spPr>
+              <p:txBody>
+                <a:bodyPr spcFirstLastPara="1" wrap="square" lIns="91425" tIns="91425" rIns="91425" bIns="91425" anchor="ctr" anchorCtr="0">
+                  <a:noAutofit/>
+                </a:bodyPr>
+                <a:lstStyle/>
+                <a:p>
+                  <a:pPr marL="0" lvl="0" indent="0" algn="l" rtl="0">
+                    <a:spcBef>
+                      <a:spcPts val="0"/>
+                    </a:spcBef>
+                    <a:spcAft>
+                      <a:spcPts val="0"/>
+                    </a:spcAft>
+                    <a:buNone/>
+                  </a:pPr>
+                  <a:endParaRPr/>
+                </a:p>
+              </p:txBody>
+            </p:sp>
+            <p:sp>
+              <p:nvSpPr>
+                <p:cNvPr id="34" name="Google Shape;5159;p59"/>
+                <p:cNvSpPr/>
+                <p:nvPr/>
+              </p:nvSpPr>
+              <p:spPr>
+                <a:xfrm>
+                  <a:off x="5206863" y="3888561"/>
+                  <a:ext cx="122738" cy="122738"/>
+                </a:xfrm>
+                <a:custGeom>
+                  <a:avLst/>
+                  <a:gdLst/>
+                  <a:ahLst/>
+                  <a:cxnLst/>
+                  <a:rect l="l" t="t" r="r" b="b"/>
+                  <a:pathLst>
+                    <a:path w="12379" h="12379" extrusionOk="0">
+                      <a:moveTo>
+                        <a:pt x="6190" y="0"/>
+                      </a:moveTo>
+                      <a:cubicBezTo>
+                        <a:pt x="2771" y="0"/>
+                        <a:pt x="0" y="2771"/>
+                        <a:pt x="0" y="6189"/>
+                      </a:cubicBezTo>
+                      <a:cubicBezTo>
+                        <a:pt x="0" y="9608"/>
+                        <a:pt x="2771" y="12379"/>
+                        <a:pt x="6190" y="12379"/>
+                      </a:cubicBezTo>
+                      <a:cubicBezTo>
+                        <a:pt x="9608" y="12379"/>
+                        <a:pt x="12379" y="9608"/>
+                        <a:pt x="12379" y="6189"/>
+                      </a:cubicBezTo>
+                      <a:cubicBezTo>
+                        <a:pt x="12379" y="2771"/>
+                        <a:pt x="9608" y="0"/>
+                        <a:pt x="6190" y="0"/>
+                      </a:cubicBezTo>
+                      <a:close/>
+                    </a:path>
+                  </a:pathLst>
+                </a:custGeom>
+                <a:solidFill>
+                  <a:srgbClr val="CFD9E0"/>
+                </a:solidFill>
+                <a:ln>
+                  <a:noFill/>
+                </a:ln>
+              </p:spPr>
+              <p:txBody>
+                <a:bodyPr spcFirstLastPara="1" wrap="square" lIns="91425" tIns="91425" rIns="91425" bIns="91425" anchor="ctr" anchorCtr="0">
+                  <a:noAutofit/>
+                </a:bodyPr>
+                <a:lstStyle/>
+                <a:p>
+                  <a:pPr marL="0" lvl="0" indent="0" algn="l" rtl="0">
+                    <a:spcBef>
+                      <a:spcPts val="0"/>
+                    </a:spcBef>
+                    <a:spcAft>
+                      <a:spcPts val="0"/>
+                    </a:spcAft>
+                    <a:buNone/>
+                  </a:pPr>
+                  <a:endParaRPr/>
+                </a:p>
+              </p:txBody>
+            </p:sp>
+            <p:sp>
+              <p:nvSpPr>
+                <p:cNvPr id="35" name="Google Shape;5160;p59"/>
+                <p:cNvSpPr/>
+                <p:nvPr/>
+              </p:nvSpPr>
+              <p:spPr>
+                <a:xfrm>
+                  <a:off x="5206863" y="4151100"/>
+                  <a:ext cx="122738" cy="122748"/>
+                </a:xfrm>
+                <a:custGeom>
+                  <a:avLst/>
+                  <a:gdLst/>
+                  <a:ahLst/>
+                  <a:cxnLst/>
+                  <a:rect l="l" t="t" r="r" b="b"/>
+                  <a:pathLst>
+                    <a:path w="12379" h="12380" extrusionOk="0">
+                      <a:moveTo>
+                        <a:pt x="6190" y="1"/>
+                      </a:moveTo>
+                      <a:cubicBezTo>
+                        <a:pt x="2771" y="1"/>
+                        <a:pt x="0" y="2772"/>
+                        <a:pt x="0" y="6190"/>
+                      </a:cubicBezTo>
+                      <a:cubicBezTo>
+                        <a:pt x="0" y="9608"/>
+                        <a:pt x="2771" y="12379"/>
+                        <a:pt x="6190" y="12379"/>
+                      </a:cubicBezTo>
+                      <a:cubicBezTo>
+                        <a:pt x="9608" y="12379"/>
+                        <a:pt x="12379" y="9608"/>
+                        <a:pt x="12379" y="6190"/>
+                      </a:cubicBezTo>
+                      <a:cubicBezTo>
+                        <a:pt x="12379" y="2772"/>
+                        <a:pt x="9608" y="1"/>
+                        <a:pt x="6190" y="1"/>
+                      </a:cubicBezTo>
+                      <a:close/>
+                    </a:path>
+                  </a:pathLst>
+                </a:custGeom>
+                <a:solidFill>
+                  <a:srgbClr val="CFD9E0"/>
+                </a:solidFill>
+                <a:ln>
+                  <a:noFill/>
+                </a:ln>
+              </p:spPr>
+              <p:txBody>
+                <a:bodyPr spcFirstLastPara="1" wrap="square" lIns="91425" tIns="91425" rIns="91425" bIns="91425" anchor="ctr" anchorCtr="0">
+                  <a:noAutofit/>
+                </a:bodyPr>
+                <a:lstStyle/>
+                <a:p>
+                  <a:pPr marL="0" lvl="0" indent="0" algn="l" rtl="0">
+                    <a:spcBef>
+                      <a:spcPts val="0"/>
+                    </a:spcBef>
+                    <a:spcAft>
+                      <a:spcPts val="0"/>
+                    </a:spcAft>
+                    <a:buNone/>
+                  </a:pPr>
+                  <a:endParaRPr/>
+                </a:p>
+              </p:txBody>
+            </p:sp>
+            <p:sp>
+              <p:nvSpPr>
+                <p:cNvPr id="36" name="Google Shape;5161;p59"/>
+                <p:cNvSpPr/>
+                <p:nvPr/>
+              </p:nvSpPr>
+              <p:spPr>
+                <a:xfrm>
+                  <a:off x="5206863" y="4413650"/>
+                  <a:ext cx="122738" cy="122758"/>
+                </a:xfrm>
+                <a:custGeom>
+                  <a:avLst/>
+                  <a:gdLst/>
+                  <a:ahLst/>
+                  <a:cxnLst/>
+                  <a:rect l="l" t="t" r="r" b="b"/>
+                  <a:pathLst>
+                    <a:path w="12379" h="12381" extrusionOk="0">
+                      <a:moveTo>
+                        <a:pt x="6190" y="0"/>
+                      </a:moveTo>
+                      <a:cubicBezTo>
+                        <a:pt x="2771" y="0"/>
+                        <a:pt x="0" y="2771"/>
+                        <a:pt x="0" y="6191"/>
+                      </a:cubicBezTo>
+                      <a:cubicBezTo>
+                        <a:pt x="0" y="9609"/>
+                        <a:pt x="2771" y="12380"/>
+                        <a:pt x="6190" y="12380"/>
+                      </a:cubicBezTo>
+                      <a:cubicBezTo>
+                        <a:pt x="9608" y="12380"/>
+                        <a:pt x="12379" y="9609"/>
+                        <a:pt x="12379" y="6191"/>
+                      </a:cubicBezTo>
+                      <a:cubicBezTo>
+                        <a:pt x="12379" y="2771"/>
+                        <a:pt x="9608" y="0"/>
+                        <a:pt x="6190" y="0"/>
+                      </a:cubicBezTo>
+                      <a:close/>
+                    </a:path>
+                  </a:pathLst>
+                </a:custGeom>
+                <a:solidFill>
+                  <a:srgbClr val="869FB2"/>
+                </a:solidFill>
+                <a:ln w="19050" cap="flat" cmpd="sng">
+                  <a:solidFill>
+                    <a:srgbClr val="869FB2"/>
+                  </a:solidFill>
+                  <a:prstDash val="solid"/>
+                  <a:round/>
+                  <a:headEnd type="none" w="sm" len="sm"/>
+                  <a:tailEnd type="none" w="sm" len="sm"/>
+                </a:ln>
+              </p:spPr>
+              <p:txBody>
+                <a:bodyPr spcFirstLastPara="1" wrap="square" lIns="91425" tIns="91425" rIns="91425" bIns="91425" anchor="ctr" anchorCtr="0">
+                  <a:noAutofit/>
+                </a:bodyPr>
+                <a:lstStyle/>
+                <a:p>
+                  <a:pPr marL="0" lvl="0" indent="0" algn="l" rtl="0">
+                    <a:spcBef>
+                      <a:spcPts val="0"/>
+                    </a:spcBef>
+                    <a:spcAft>
+                      <a:spcPts val="0"/>
+                    </a:spcAft>
+                    <a:buNone/>
+                  </a:pPr>
+                  <a:endParaRPr/>
+                </a:p>
+              </p:txBody>
+            </p:sp>
+            <p:sp>
+              <p:nvSpPr>
+                <p:cNvPr id="37" name="Google Shape;5162;p59"/>
+                <p:cNvSpPr/>
+                <p:nvPr/>
+              </p:nvSpPr>
+              <p:spPr>
+                <a:xfrm>
+                  <a:off x="5206863" y="4676209"/>
+                  <a:ext cx="122738" cy="122738"/>
+                </a:xfrm>
+                <a:custGeom>
+                  <a:avLst/>
+                  <a:gdLst/>
+                  <a:ahLst/>
+                  <a:cxnLst/>
+                  <a:rect l="l" t="t" r="r" b="b"/>
+                  <a:pathLst>
+                    <a:path w="12379" h="12379" extrusionOk="0">
+                      <a:moveTo>
+                        <a:pt x="6190" y="0"/>
+                      </a:moveTo>
+                      <a:cubicBezTo>
+                        <a:pt x="2771" y="0"/>
+                        <a:pt x="0" y="2771"/>
+                        <a:pt x="0" y="6189"/>
+                      </a:cubicBezTo>
+                      <a:cubicBezTo>
+                        <a:pt x="0" y="9608"/>
+                        <a:pt x="2771" y="12379"/>
+                        <a:pt x="6190" y="12379"/>
+                      </a:cubicBezTo>
+                      <a:cubicBezTo>
+                        <a:pt x="9608" y="12379"/>
+                        <a:pt x="12379" y="9608"/>
+                        <a:pt x="12379" y="6189"/>
+                      </a:cubicBezTo>
+                      <a:cubicBezTo>
+                        <a:pt x="12379" y="2771"/>
+                        <a:pt x="9608" y="0"/>
+                        <a:pt x="6190" y="0"/>
+                      </a:cubicBezTo>
+                      <a:close/>
+                    </a:path>
+                  </a:pathLst>
+                </a:custGeom>
+                <a:solidFill>
+                  <a:srgbClr val="869FB2"/>
+                </a:solidFill>
+                <a:ln w="19050" cap="flat" cmpd="sng">
+                  <a:solidFill>
+                    <a:srgbClr val="869FB2"/>
+                  </a:solidFill>
+                  <a:prstDash val="solid"/>
+                  <a:round/>
+                  <a:headEnd type="none" w="sm" len="sm"/>
+                  <a:tailEnd type="none" w="sm" len="sm"/>
+                </a:ln>
+              </p:spPr>
+              <p:txBody>
+                <a:bodyPr spcFirstLastPara="1" wrap="square" lIns="91425" tIns="91425" rIns="91425" bIns="91425" anchor="ctr" anchorCtr="0">
+                  <a:noAutofit/>
+                </a:bodyPr>
+                <a:lstStyle/>
+                <a:p>
+                  <a:pPr marL="0" lvl="0" indent="0" algn="l" rtl="0">
+                    <a:spcBef>
+                      <a:spcPts val="0"/>
+                    </a:spcBef>
+                    <a:spcAft>
+                      <a:spcPts val="0"/>
+                    </a:spcAft>
+                    <a:buNone/>
+                  </a:pPr>
+                  <a:endParaRPr/>
+                </a:p>
+              </p:txBody>
+            </p:sp>
+          </p:grpSp>
+          <p:grpSp>
+            <p:nvGrpSpPr>
+              <p:cNvPr id="23" name="Google Shape;5163;p59"/>
+              <p:cNvGrpSpPr/>
+              <p:nvPr/>
+            </p:nvGrpSpPr>
+            <p:grpSpPr>
+              <a:xfrm>
+                <a:off x="1542694" y="2882501"/>
+                <a:ext cx="103104" cy="1426186"/>
+                <a:chOff x="6006138" y="3143629"/>
+                <a:chExt cx="122758" cy="1698043"/>
+              </a:xfrm>
+            </p:grpSpPr>
+            <p:sp>
+              <p:nvSpPr>
+                <p:cNvPr id="24" name="Google Shape;5164;p59"/>
+                <p:cNvSpPr/>
+                <p:nvPr/>
+              </p:nvSpPr>
+              <p:spPr>
+                <a:xfrm>
+                  <a:off x="6006138" y="3143629"/>
+                  <a:ext cx="122758" cy="122748"/>
+                </a:xfrm>
+                <a:custGeom>
+                  <a:avLst/>
+                  <a:gdLst/>
+                  <a:ahLst/>
+                  <a:cxnLst/>
+                  <a:rect l="l" t="t" r="r" b="b"/>
+                  <a:pathLst>
+                    <a:path w="12381" h="12380" extrusionOk="0">
+                      <a:moveTo>
+                        <a:pt x="6191" y="1"/>
+                      </a:moveTo>
+                      <a:cubicBezTo>
+                        <a:pt x="2771" y="1"/>
+                        <a:pt x="0" y="2772"/>
+                        <a:pt x="0" y="6190"/>
+                      </a:cubicBezTo>
+                      <a:cubicBezTo>
+                        <a:pt x="0" y="9608"/>
+                        <a:pt x="2771" y="12379"/>
+                        <a:pt x="6191" y="12379"/>
+                      </a:cubicBezTo>
+                      <a:cubicBezTo>
+                        <a:pt x="9610" y="12379"/>
+                        <a:pt x="12381" y="9608"/>
+                        <a:pt x="12381" y="6190"/>
+                      </a:cubicBezTo>
+                      <a:cubicBezTo>
+                        <a:pt x="12381" y="2772"/>
+                        <a:pt x="9610" y="1"/>
+                        <a:pt x="6191" y="1"/>
+                      </a:cubicBezTo>
+                      <a:close/>
+                    </a:path>
+                  </a:pathLst>
+                </a:custGeom>
+                <a:solidFill>
+                  <a:srgbClr val="CFD9E0"/>
+                </a:solidFill>
+                <a:ln>
+                  <a:noFill/>
+                </a:ln>
+              </p:spPr>
+              <p:txBody>
+                <a:bodyPr spcFirstLastPara="1" wrap="square" lIns="91425" tIns="91425" rIns="91425" bIns="91425" anchor="ctr" anchorCtr="0">
+                  <a:noAutofit/>
+                </a:bodyPr>
+                <a:lstStyle/>
+                <a:p>
+                  <a:pPr marL="0" lvl="0" indent="0" algn="l" rtl="0">
+                    <a:spcBef>
+                      <a:spcPts val="0"/>
+                    </a:spcBef>
+                    <a:spcAft>
+                      <a:spcPts val="0"/>
+                    </a:spcAft>
+                    <a:buNone/>
+                  </a:pPr>
+                  <a:endParaRPr/>
+                </a:p>
+              </p:txBody>
+            </p:sp>
+            <p:sp>
+              <p:nvSpPr>
+                <p:cNvPr id="25" name="Google Shape;5165;p59"/>
+                <p:cNvSpPr/>
+                <p:nvPr/>
+              </p:nvSpPr>
+              <p:spPr>
+                <a:xfrm>
+                  <a:off x="6006138" y="3406178"/>
+                  <a:ext cx="122758" cy="122758"/>
+                </a:xfrm>
+                <a:custGeom>
+                  <a:avLst/>
+                  <a:gdLst/>
+                  <a:ahLst/>
+                  <a:cxnLst/>
+                  <a:rect l="l" t="t" r="r" b="b"/>
+                  <a:pathLst>
+                    <a:path w="12381" h="12381" extrusionOk="0">
+                      <a:moveTo>
+                        <a:pt x="6191" y="0"/>
+                      </a:moveTo>
+                      <a:cubicBezTo>
+                        <a:pt x="2771" y="0"/>
+                        <a:pt x="0" y="2771"/>
+                        <a:pt x="0" y="6191"/>
+                      </a:cubicBezTo>
+                      <a:cubicBezTo>
+                        <a:pt x="0" y="9610"/>
+                        <a:pt x="2771" y="12381"/>
+                        <a:pt x="6191" y="12381"/>
+                      </a:cubicBezTo>
+                      <a:cubicBezTo>
+                        <a:pt x="9610" y="12381"/>
+                        <a:pt x="12381" y="9610"/>
+                        <a:pt x="12381" y="6191"/>
+                      </a:cubicBezTo>
+                      <a:cubicBezTo>
+                        <a:pt x="12381" y="2771"/>
+                        <a:pt x="9610" y="0"/>
+                        <a:pt x="6191" y="0"/>
+                      </a:cubicBezTo>
+                      <a:close/>
+                    </a:path>
+                  </a:pathLst>
+                </a:custGeom>
+                <a:solidFill>
+                  <a:srgbClr val="CFD9E0"/>
+                </a:solidFill>
+                <a:ln>
+                  <a:noFill/>
+                </a:ln>
+              </p:spPr>
+              <p:txBody>
+                <a:bodyPr spcFirstLastPara="1" wrap="square" lIns="91425" tIns="91425" rIns="91425" bIns="91425" anchor="ctr" anchorCtr="0">
+                  <a:noAutofit/>
+                </a:bodyPr>
+                <a:lstStyle/>
+                <a:p>
+                  <a:pPr marL="0" lvl="0" indent="0" algn="l" rtl="0">
+                    <a:spcBef>
+                      <a:spcPts val="0"/>
+                    </a:spcBef>
+                    <a:spcAft>
+                      <a:spcPts val="0"/>
+                    </a:spcAft>
+                    <a:buNone/>
+                  </a:pPr>
+                  <a:endParaRPr/>
+                </a:p>
+              </p:txBody>
+            </p:sp>
+            <p:sp>
+              <p:nvSpPr>
+                <p:cNvPr id="26" name="Google Shape;5166;p59"/>
+                <p:cNvSpPr/>
+                <p:nvPr/>
+              </p:nvSpPr>
+              <p:spPr>
+                <a:xfrm>
+                  <a:off x="6006138" y="3668717"/>
+                  <a:ext cx="122738" cy="122768"/>
+                </a:xfrm>
+                <a:custGeom>
+                  <a:avLst/>
+                  <a:gdLst/>
+                  <a:ahLst/>
+                  <a:cxnLst/>
+                  <a:rect l="l" t="t" r="r" b="b"/>
+                  <a:pathLst>
+                    <a:path w="12379" h="12382" extrusionOk="0">
+                      <a:moveTo>
+                        <a:pt x="6190" y="1"/>
+                      </a:moveTo>
+                      <a:cubicBezTo>
+                        <a:pt x="2771" y="1"/>
+                        <a:pt x="0" y="2774"/>
+                        <a:pt x="0" y="6192"/>
+                      </a:cubicBezTo>
+                      <a:cubicBezTo>
+                        <a:pt x="0" y="9610"/>
+                        <a:pt x="2771" y="12381"/>
+                        <a:pt x="6190" y="12381"/>
+                      </a:cubicBezTo>
+                      <a:cubicBezTo>
+                        <a:pt x="9608" y="12381"/>
+                        <a:pt x="12379" y="9610"/>
+                        <a:pt x="12379" y="6192"/>
+                      </a:cubicBezTo>
+                      <a:cubicBezTo>
+                        <a:pt x="12379" y="2774"/>
+                        <a:pt x="9608" y="1"/>
+                        <a:pt x="6190" y="1"/>
+                      </a:cubicBezTo>
+                      <a:close/>
+                    </a:path>
+                  </a:pathLst>
+                </a:custGeom>
+                <a:solidFill>
+                  <a:srgbClr val="869FB2"/>
+                </a:solidFill>
+                <a:ln>
+                  <a:noFill/>
+                </a:ln>
+              </p:spPr>
+              <p:txBody>
+                <a:bodyPr spcFirstLastPara="1" wrap="square" lIns="91425" tIns="91425" rIns="91425" bIns="91425" anchor="ctr" anchorCtr="0">
+                  <a:noAutofit/>
+                </a:bodyPr>
+                <a:lstStyle/>
+                <a:p>
+                  <a:pPr marL="0" lvl="0" indent="0" algn="l" rtl="0">
+                    <a:spcBef>
+                      <a:spcPts val="0"/>
+                    </a:spcBef>
+                    <a:spcAft>
+                      <a:spcPts val="0"/>
+                    </a:spcAft>
+                    <a:buNone/>
+                  </a:pPr>
+                  <a:endParaRPr/>
+                </a:p>
+              </p:txBody>
+            </p:sp>
+            <p:sp>
+              <p:nvSpPr>
+                <p:cNvPr id="27" name="Google Shape;5167;p59"/>
+                <p:cNvSpPr/>
+                <p:nvPr/>
+              </p:nvSpPr>
+              <p:spPr>
+                <a:xfrm>
+                  <a:off x="6006138" y="3931286"/>
+                  <a:ext cx="122738" cy="122738"/>
+                </a:xfrm>
+                <a:custGeom>
+                  <a:avLst/>
+                  <a:gdLst/>
+                  <a:ahLst/>
+                  <a:cxnLst/>
+                  <a:rect l="l" t="t" r="r" b="b"/>
+                  <a:pathLst>
+                    <a:path w="12379" h="12379" extrusionOk="0">
+                      <a:moveTo>
+                        <a:pt x="6190" y="0"/>
+                      </a:moveTo>
+                      <a:cubicBezTo>
+                        <a:pt x="2771" y="0"/>
+                        <a:pt x="0" y="2771"/>
+                        <a:pt x="0" y="6189"/>
+                      </a:cubicBezTo>
+                      <a:cubicBezTo>
+                        <a:pt x="0" y="9608"/>
+                        <a:pt x="2771" y="12379"/>
+                        <a:pt x="6190" y="12379"/>
+                      </a:cubicBezTo>
+                      <a:cubicBezTo>
+                        <a:pt x="9608" y="12379"/>
+                        <a:pt x="12379" y="9608"/>
+                        <a:pt x="12379" y="6189"/>
+                      </a:cubicBezTo>
+                      <a:cubicBezTo>
+                        <a:pt x="12379" y="2771"/>
+                        <a:pt x="9608" y="0"/>
+                        <a:pt x="6190" y="0"/>
+                      </a:cubicBezTo>
+                      <a:close/>
+                    </a:path>
+                  </a:pathLst>
+                </a:custGeom>
+                <a:solidFill>
+                  <a:srgbClr val="869FB2"/>
+                </a:solidFill>
+                <a:ln>
+                  <a:noFill/>
+                </a:ln>
+              </p:spPr>
+              <p:txBody>
+                <a:bodyPr spcFirstLastPara="1" wrap="square" lIns="91425" tIns="91425" rIns="91425" bIns="91425" anchor="ctr" anchorCtr="0">
+                  <a:noAutofit/>
+                </a:bodyPr>
+                <a:lstStyle/>
+                <a:p>
+                  <a:pPr marL="0" lvl="0" indent="0" algn="l" rtl="0">
+                    <a:spcBef>
+                      <a:spcPts val="0"/>
+                    </a:spcBef>
+                    <a:spcAft>
+                      <a:spcPts val="0"/>
+                    </a:spcAft>
+                    <a:buNone/>
+                  </a:pPr>
+                  <a:endParaRPr/>
+                </a:p>
+              </p:txBody>
+            </p:sp>
+            <p:sp>
+              <p:nvSpPr>
+                <p:cNvPr id="28" name="Google Shape;5168;p59"/>
+                <p:cNvSpPr/>
+                <p:nvPr/>
+              </p:nvSpPr>
+              <p:spPr>
+                <a:xfrm>
+                  <a:off x="6006138" y="4193825"/>
+                  <a:ext cx="122738" cy="122748"/>
+                </a:xfrm>
+                <a:custGeom>
+                  <a:avLst/>
+                  <a:gdLst/>
+                  <a:ahLst/>
+                  <a:cxnLst/>
+                  <a:rect l="l" t="t" r="r" b="b"/>
+                  <a:pathLst>
+                    <a:path w="12379" h="12380" extrusionOk="0">
+                      <a:moveTo>
+                        <a:pt x="6190" y="1"/>
+                      </a:moveTo>
+                      <a:cubicBezTo>
+                        <a:pt x="2771" y="1"/>
+                        <a:pt x="0" y="2772"/>
+                        <a:pt x="0" y="6190"/>
+                      </a:cubicBezTo>
+                      <a:cubicBezTo>
+                        <a:pt x="0" y="9608"/>
+                        <a:pt x="2771" y="12379"/>
+                        <a:pt x="6190" y="12379"/>
+                      </a:cubicBezTo>
+                      <a:cubicBezTo>
+                        <a:pt x="9608" y="12379"/>
+                        <a:pt x="12379" y="9608"/>
+                        <a:pt x="12379" y="6190"/>
+                      </a:cubicBezTo>
+                      <a:cubicBezTo>
+                        <a:pt x="12379" y="2772"/>
+                        <a:pt x="9608" y="1"/>
+                        <a:pt x="6190" y="1"/>
+                      </a:cubicBezTo>
+                      <a:close/>
+                    </a:path>
+                  </a:pathLst>
+                </a:custGeom>
+                <a:solidFill>
+                  <a:srgbClr val="869FB2"/>
+                </a:solidFill>
+                <a:ln>
+                  <a:noFill/>
+                </a:ln>
+              </p:spPr>
+              <p:txBody>
+                <a:bodyPr spcFirstLastPara="1" wrap="square" lIns="91425" tIns="91425" rIns="91425" bIns="91425" anchor="ctr" anchorCtr="0">
+                  <a:noAutofit/>
+                </a:bodyPr>
+                <a:lstStyle/>
+                <a:p>
+                  <a:pPr marL="0" lvl="0" indent="0" algn="l" rtl="0">
+                    <a:spcBef>
+                      <a:spcPts val="0"/>
+                    </a:spcBef>
+                    <a:spcAft>
+                      <a:spcPts val="0"/>
+                    </a:spcAft>
+                    <a:buNone/>
+                  </a:pPr>
+                  <a:endParaRPr/>
+                </a:p>
+              </p:txBody>
+            </p:sp>
+            <p:sp>
+              <p:nvSpPr>
+                <p:cNvPr id="29" name="Google Shape;5169;p59"/>
+                <p:cNvSpPr/>
+                <p:nvPr/>
+              </p:nvSpPr>
+              <p:spPr>
+                <a:xfrm>
+                  <a:off x="6006138" y="4456375"/>
+                  <a:ext cx="122738" cy="122758"/>
+                </a:xfrm>
+                <a:custGeom>
+                  <a:avLst/>
+                  <a:gdLst/>
+                  <a:ahLst/>
+                  <a:cxnLst/>
+                  <a:rect l="l" t="t" r="r" b="b"/>
+                  <a:pathLst>
+                    <a:path w="12379" h="12381" extrusionOk="0">
+                      <a:moveTo>
+                        <a:pt x="6190" y="0"/>
+                      </a:moveTo>
+                      <a:cubicBezTo>
+                        <a:pt x="2771" y="0"/>
+                        <a:pt x="0" y="2771"/>
+                        <a:pt x="0" y="6191"/>
+                      </a:cubicBezTo>
+                      <a:cubicBezTo>
+                        <a:pt x="0" y="9609"/>
+                        <a:pt x="2771" y="12380"/>
+                        <a:pt x="6190" y="12380"/>
+                      </a:cubicBezTo>
+                      <a:cubicBezTo>
+                        <a:pt x="9608" y="12380"/>
+                        <a:pt x="12379" y="9609"/>
+                        <a:pt x="12379" y="6191"/>
+                      </a:cubicBezTo>
+                      <a:cubicBezTo>
+                        <a:pt x="12379" y="2771"/>
+                        <a:pt x="9608" y="0"/>
+                        <a:pt x="6190" y="0"/>
+                      </a:cubicBezTo>
+                      <a:close/>
+                    </a:path>
+                  </a:pathLst>
+                </a:custGeom>
+                <a:solidFill>
+                  <a:srgbClr val="869FB2"/>
+                </a:solidFill>
+                <a:ln>
+                  <a:noFill/>
+                </a:ln>
+              </p:spPr>
+              <p:txBody>
+                <a:bodyPr spcFirstLastPara="1" wrap="square" lIns="91425" tIns="91425" rIns="91425" bIns="91425" anchor="ctr" anchorCtr="0">
+                  <a:noAutofit/>
+                </a:bodyPr>
+                <a:lstStyle/>
+                <a:p>
+                  <a:pPr marL="0" lvl="0" indent="0" algn="l" rtl="0">
+                    <a:spcBef>
+                      <a:spcPts val="0"/>
+                    </a:spcBef>
+                    <a:spcAft>
+                      <a:spcPts val="0"/>
+                    </a:spcAft>
+                    <a:buNone/>
+                  </a:pPr>
+                  <a:endParaRPr/>
+                </a:p>
+              </p:txBody>
+            </p:sp>
+            <p:sp>
+              <p:nvSpPr>
+                <p:cNvPr id="30" name="Google Shape;5170;p59"/>
+                <p:cNvSpPr/>
+                <p:nvPr/>
+              </p:nvSpPr>
+              <p:spPr>
+                <a:xfrm>
+                  <a:off x="6006138" y="4718934"/>
+                  <a:ext cx="122738" cy="122738"/>
+                </a:xfrm>
+                <a:custGeom>
+                  <a:avLst/>
+                  <a:gdLst/>
+                  <a:ahLst/>
+                  <a:cxnLst/>
+                  <a:rect l="l" t="t" r="r" b="b"/>
+                  <a:pathLst>
+                    <a:path w="12379" h="12379" extrusionOk="0">
+                      <a:moveTo>
+                        <a:pt x="6190" y="0"/>
+                      </a:moveTo>
+                      <a:cubicBezTo>
+                        <a:pt x="2771" y="0"/>
+                        <a:pt x="0" y="2771"/>
+                        <a:pt x="0" y="6189"/>
+                      </a:cubicBezTo>
+                      <a:cubicBezTo>
+                        <a:pt x="0" y="9608"/>
+                        <a:pt x="2771" y="12379"/>
+                        <a:pt x="6190" y="12379"/>
+                      </a:cubicBezTo>
+                      <a:cubicBezTo>
+                        <a:pt x="9608" y="12379"/>
+                        <a:pt x="12379" y="9608"/>
+                        <a:pt x="12379" y="6189"/>
+                      </a:cubicBezTo>
+                      <a:cubicBezTo>
+                        <a:pt x="12379" y="2771"/>
+                        <a:pt x="9608" y="0"/>
+                        <a:pt x="6190" y="0"/>
+                      </a:cubicBezTo>
+                      <a:close/>
+                    </a:path>
+                  </a:pathLst>
+                </a:custGeom>
+                <a:solidFill>
+                  <a:srgbClr val="869FB2"/>
+                </a:solidFill>
+                <a:ln>
+                  <a:noFill/>
+                </a:ln>
+              </p:spPr>
+              <p:txBody>
+                <a:bodyPr spcFirstLastPara="1" wrap="square" lIns="91425" tIns="91425" rIns="91425" bIns="91425" anchor="ctr" anchorCtr="0">
+                  <a:noAutofit/>
+                </a:bodyPr>
+                <a:lstStyle/>
+                <a:p>
+                  <a:pPr marL="0" lvl="0" indent="0" algn="l" rtl="0">
+                    <a:spcBef>
+                      <a:spcPts val="0"/>
+                    </a:spcBef>
+                    <a:spcAft>
+                      <a:spcPts val="0"/>
+                    </a:spcAft>
+                    <a:buNone/>
+                  </a:pPr>
+                  <a:endParaRPr/>
+                </a:p>
+              </p:txBody>
+            </p:sp>
+          </p:grpSp>
+        </p:grpSp>
+      </p:grpSp>
+      <p:sp>
+        <p:nvSpPr>
+          <p:cNvPr id="77" name="CaixaDeTexto 76"/>
+          <p:cNvSpPr txBox="1"/>
+          <p:nvPr/>
+        </p:nvSpPr>
+        <p:spPr>
+          <a:xfrm>
+            <a:off x="1286902" y="1618203"/>
+            <a:ext cx="4011356" cy="1569660"/>
+          </a:xfrm>
+          <a:prstGeom prst="rect">
+            <a:avLst/>
+          </a:prstGeom>
+          <a:noFill/>
+        </p:spPr>
+        <p:txBody>
+          <a:bodyPr wrap="square" rtlCol="0">
+            <a:spAutoFit/>
+          </a:bodyPr>
+          <a:lstStyle/>
+          <a:p>
+            <a:r>
+              <a:rPr lang="pt-BR" sz="1200" dirty="0" smtClean="0">
+                <a:solidFill>
+                  <a:schemeClr val="tx1"/>
+                </a:solidFill>
+                <a:latin typeface="Space Mono" panose="020B0604020202020204" charset="0"/>
+              </a:rPr>
+              <a:t>Romenique </a:t>
+            </a:r>
+            <a:r>
+              <a:rPr lang="pt-BR" sz="1200" dirty="0">
+                <a:solidFill>
+                  <a:schemeClr val="tx1"/>
+                </a:solidFill>
+                <a:latin typeface="Space Mono" panose="020B0604020202020204" charset="0"/>
+              </a:rPr>
+              <a:t>Silva dos </a:t>
+            </a:r>
+            <a:r>
+              <a:rPr lang="pt-BR" sz="1200" dirty="0" smtClean="0">
+                <a:solidFill>
+                  <a:schemeClr val="tx1"/>
+                </a:solidFill>
+                <a:latin typeface="Space Mono" panose="020B0604020202020204" charset="0"/>
+              </a:rPr>
+              <a:t>Santos;</a:t>
+            </a:r>
+            <a:br>
+              <a:rPr lang="pt-BR" sz="1200" dirty="0" smtClean="0">
+                <a:solidFill>
+                  <a:schemeClr val="tx1"/>
+                </a:solidFill>
+                <a:latin typeface="Space Mono" panose="020B0604020202020204" charset="0"/>
+              </a:rPr>
+            </a:br>
+            <a:r>
+              <a:rPr lang="pt-BR" sz="1200" dirty="0">
+                <a:solidFill>
+                  <a:schemeClr val="tx1"/>
+                </a:solidFill>
+                <a:latin typeface="Space Mono" panose="020B0604020202020204" charset="0"/>
+                <a:hlinkClick r:id="rId3"/>
+              </a:rPr>
+              <a:t>https://github.com/romeniquesantos</a:t>
+            </a:r>
+            <a:r>
+              <a:rPr lang="pt-BR" sz="1200" dirty="0" smtClean="0">
+                <a:solidFill>
+                  <a:schemeClr val="tx1"/>
+                </a:solidFill>
+                <a:latin typeface="Space Mono" panose="020B0604020202020204" charset="0"/>
+              </a:rPr>
+              <a:t>;</a:t>
+            </a:r>
+          </a:p>
+          <a:p>
+            <a:endParaRPr lang="pt-BR" sz="1200" dirty="0" smtClean="0">
+              <a:solidFill>
+                <a:schemeClr val="tx1"/>
+              </a:solidFill>
+              <a:latin typeface="Space Mono" panose="020B0604020202020204" charset="0"/>
+            </a:endParaRPr>
+          </a:p>
+          <a:p>
+            <a:r>
+              <a:rPr lang="pt-BR" sz="1200" dirty="0" smtClean="0">
+                <a:solidFill>
+                  <a:schemeClr val="tx1"/>
+                </a:solidFill>
+                <a:latin typeface="Space Mono" panose="020B0604020202020204" charset="0"/>
+              </a:rPr>
+              <a:t>Wendy </a:t>
+            </a:r>
+            <a:r>
+              <a:rPr lang="pt-BR" sz="1200" dirty="0">
+                <a:solidFill>
+                  <a:schemeClr val="tx1"/>
+                </a:solidFill>
+                <a:latin typeface="Space Mono" panose="020B0604020202020204" charset="0"/>
+              </a:rPr>
+              <a:t>Silva </a:t>
+            </a:r>
+            <a:r>
+              <a:rPr lang="pt-BR" sz="1200" dirty="0" err="1">
+                <a:solidFill>
+                  <a:schemeClr val="tx1"/>
+                </a:solidFill>
+                <a:latin typeface="Space Mono" panose="020B0604020202020204" charset="0"/>
+              </a:rPr>
+              <a:t>Cataldo</a:t>
+            </a:r>
+            <a:r>
+              <a:rPr lang="pt-BR" sz="1200" dirty="0" smtClean="0">
+                <a:solidFill>
+                  <a:schemeClr val="tx1"/>
+                </a:solidFill>
+                <a:latin typeface="Space Mono" panose="020B0604020202020204" charset="0"/>
+              </a:rPr>
+              <a:t>;   </a:t>
+            </a:r>
+          </a:p>
+          <a:p>
+            <a:r>
+              <a:rPr lang="pt-BR" sz="1200" dirty="0">
+                <a:solidFill>
+                  <a:schemeClr val="tx1"/>
+                </a:solidFill>
+                <a:latin typeface="Space Mono" panose="020B0604020202020204" charset="0"/>
+                <a:hlinkClick r:id="rId4"/>
+              </a:rPr>
+              <a:t>https://github.com/wendycataldo</a:t>
+            </a:r>
+            <a:r>
+              <a:rPr lang="pt-BR" sz="1200" dirty="0" smtClean="0">
+                <a:solidFill>
+                  <a:schemeClr val="tx1"/>
+                </a:solidFill>
+                <a:latin typeface="Space Mono" panose="020B0604020202020204" charset="0"/>
+              </a:rPr>
+              <a:t>;</a:t>
+            </a:r>
+          </a:p>
+          <a:p>
+            <a:endParaRPr lang="pt-BR" sz="1200" dirty="0">
+              <a:solidFill>
+                <a:schemeClr val="tx1"/>
+              </a:solidFill>
+              <a:latin typeface="Space Mono" panose="020B0604020202020204" charset="0"/>
+            </a:endParaRPr>
+          </a:p>
+          <a:p>
+            <a:r>
+              <a:rPr lang="pt-BR" sz="1200" dirty="0" smtClean="0">
+                <a:solidFill>
+                  <a:schemeClr val="tx1"/>
+                </a:solidFill>
+                <a:latin typeface="Space Mono" panose="020B0604020202020204" charset="0"/>
+              </a:rPr>
+              <a:t>Willian </a:t>
+            </a:r>
+            <a:r>
+              <a:rPr lang="pt-BR" sz="1200" dirty="0">
+                <a:solidFill>
+                  <a:schemeClr val="tx1"/>
+                </a:solidFill>
+                <a:latin typeface="Space Mono" panose="020B0604020202020204" charset="0"/>
+              </a:rPr>
+              <a:t>da Silva Dantas</a:t>
+            </a:r>
+            <a:r>
+              <a:rPr lang="pt-BR" sz="1200" dirty="0" smtClean="0">
+                <a:solidFill>
+                  <a:schemeClr val="tx1"/>
+                </a:solidFill>
+                <a:latin typeface="Space Mono" panose="020B0604020202020204" charset="0"/>
+              </a:rPr>
+              <a:t>.</a:t>
+            </a:r>
+            <a:br>
+              <a:rPr lang="pt-BR" sz="1200" dirty="0" smtClean="0">
+                <a:solidFill>
+                  <a:schemeClr val="tx1"/>
+                </a:solidFill>
+                <a:latin typeface="Space Mono" panose="020B0604020202020204" charset="0"/>
+              </a:rPr>
+            </a:br>
+            <a:r>
+              <a:rPr lang="pt-BR" sz="1200" dirty="0" smtClean="0">
+                <a:solidFill>
+                  <a:schemeClr val="tx1"/>
+                </a:solidFill>
+                <a:latin typeface="Space Mono" panose="020B0604020202020204" charset="0"/>
+              </a:rPr>
+              <a:t>https</a:t>
+            </a:r>
+            <a:r>
+              <a:rPr lang="pt-BR" sz="1200" dirty="0">
+                <a:solidFill>
+                  <a:schemeClr val="tx1"/>
+                </a:solidFill>
+                <a:latin typeface="Space Mono" panose="020B0604020202020204" charset="0"/>
+              </a:rPr>
+              <a:t>://github.com/wiliandantas;</a:t>
+            </a:r>
+            <a:endParaRPr lang="pt-BR" sz="1200" dirty="0">
+              <a:solidFill>
+                <a:schemeClr val="tx1"/>
+              </a:solidFill>
+              <a:latin typeface="Space Mono" panose="020B0604020202020204" charset="0"/>
+            </a:endParaRPr>
+          </a:p>
+        </p:txBody>
+      </p:sp>
+    </p:spTree>
+    <p:extLst>
+      <p:ext uri="{BB962C8B-B14F-4D97-AF65-F5344CB8AC3E}">
+        <p14:creationId xmlns:p14="http://schemas.microsoft.com/office/powerpoint/2010/main" val="3899498790"/>
+      </p:ext>
+    </p:extLst>
+  </p:cSld>
+  <p:clrMapOvr>
+    <a:masterClrMapping/>
+  </p:clrMapOvr>
+</p:sld>
+</file>
+
 <file path=ppt/slides/slide2.xml><?xml version="1.0" encoding="utf-8"?>
 <p:sld xmlns:a="http://schemas.openxmlformats.org/drawingml/2006/main" xmlns:r="http://schemas.openxmlformats.org/officeDocument/2006/relationships" xmlns:p="http://schemas.openxmlformats.org/presentationml/2006/main">
   <p:cSld>

--- a/Apresentação .pptx
+++ b/Apresentação .pptx
@@ -23,25 +23,25 @@
   <p:notesSz cx="6858000" cy="9144000"/>
   <p:embeddedFontLst>
     <p:embeddedFont>
-      <p:font typeface="Antonio" panose="020B0604020202020204" charset="0"/>
+      <p:font typeface="Space Mono" panose="020B0604020202020204" charset="0"/>
       <p:regular r:id="rId13"/>
       <p:bold r:id="rId14"/>
+      <p:italic r:id="rId15"/>
+      <p:boldItalic r:id="rId16"/>
     </p:embeddedFont>
     <p:embeddedFont>
-      <p:font typeface="Space Mono" panose="020B0604020202020204" charset="0"/>
-      <p:regular r:id="rId15"/>
-      <p:bold r:id="rId16"/>
-      <p:italic r:id="rId17"/>
-      <p:boldItalic r:id="rId18"/>
+      <p:font typeface="Bebas Neue" panose="020B0604020202020204" charset="0"/>
+      <p:regular r:id="rId17"/>
+    </p:embeddedFont>
+    <p:embeddedFont>
+      <p:font typeface="Antonio" panose="020B0604020202020204" charset="0"/>
+      <p:regular r:id="rId18"/>
+      <p:bold r:id="rId19"/>
     </p:embeddedFont>
     <p:embeddedFont>
       <p:font typeface="Antonio Medium" panose="020B0604020202020204" charset="0"/>
-      <p:regular r:id="rId19"/>
-      <p:bold r:id="rId20"/>
-    </p:embeddedFont>
-    <p:embeddedFont>
-      <p:font typeface="Bebas Neue" panose="020B0604020202020204" charset="0"/>
-      <p:regular r:id="rId21"/>
+      <p:regular r:id="rId20"/>
+      <p:bold r:id="rId21"/>
     </p:embeddedFont>
   </p:embeddedFontLst>
   <p:defaultTextStyle>
@@ -25898,7 +25898,6 @@
                   <a:schemeClr val="tx1"/>
                 </a:solidFill>
                 <a:latin typeface="Space Mono" panose="020B0604020202020204" charset="0"/>
-                <a:hlinkClick r:id="rId3"/>
               </a:rPr>
               <a:t>https://github.com/romeniquesantos</a:t>
             </a:r>
@@ -25965,7 +25964,6 @@
                   <a:schemeClr val="tx1"/>
                 </a:solidFill>
                 <a:latin typeface="Space Mono" panose="020B0604020202020204" charset="0"/>
-                <a:hlinkClick r:id="rId4"/>
               </a:rPr>
               <a:t>https://github.com/wendycataldo</a:t>
             </a:r>
@@ -26041,12 +26039,6 @@
               </a:rPr>
               <a:t>://github.com/wiliandantas;</a:t>
             </a:r>
-            <a:endParaRPr lang="pt-BR" sz="1200" dirty="0">
-              <a:solidFill>
-                <a:schemeClr val="tx1"/>
-              </a:solidFill>
-              <a:latin typeface="Space Mono" panose="020B0604020202020204" charset="0"/>
-            </a:endParaRPr>
           </a:p>
         </p:txBody>
       </p:sp>
@@ -26234,55 +26226,37 @@
               <a:rPr lang="pt-BR" dirty="0" smtClean="0"/>
             </a:br>
             <a:r>
-              <a:rPr lang="pt-BR" dirty="0" smtClean="0"/>
-              <a:t>Este trabalho explora </a:t>
+              <a:rPr lang="pt-BR" dirty="0"/>
+              <a:t>Este trabalho explora a integração da Estatística Aplicada com a linguagem R, </a:t>
+            </a:r>
+            <a:br>
+              <a:rPr lang="pt-BR" dirty="0"/>
+            </a:br>
+            <a:r>
+              <a:rPr lang="pt-BR" dirty="0"/>
+              <a:t>analisando os dados do “Índice de Atividade Econômica do Banco Central - IBC-</a:t>
+            </a:r>
+            <a:r>
+              <a:rPr lang="pt-BR" dirty="0" err="1"/>
+              <a:t>Br</a:t>
             </a:r>
             <a:r>
               <a:rPr lang="pt-BR" dirty="0"/>
-              <a:t>a integração da Estatística Aplicada com a linguagem R, </a:t>
-            </a:r>
-            <a:r>
-              <a:rPr lang="pt-BR" dirty="0" smtClean="0"/>
-              <a:t/>
+              <a:t>”, que e calculado pelo BACEN e tem como objetivo mensurar a evolução atual da atividade econômica do país, considerando as atividades industriais, que podem impactar diretamente o PIB (Produto Interno Bruto). Contribuindo para a elaboração de estratégia de política monetária. Seus indicares são </a:t>
             </a:r>
             <a:br>
-              <a:rPr lang="pt-BR" dirty="0" smtClean="0"/>
+              <a:rPr lang="pt-BR" dirty="0"/>
             </a:br>
             <a:r>
-              <a:rPr lang="pt-BR" dirty="0" smtClean="0"/>
-              <a:t>analisando os dados do “</a:t>
+              <a:rPr lang="pt-BR" dirty="0"/>
+              <a:t>mensais, que incorpora variáveis consideradas como proxies para o </a:t>
             </a:r>
+            <a:br>
+              <a:rPr lang="pt-BR" dirty="0"/>
+            </a:br>
             <a:r>
               <a:rPr lang="pt-BR" dirty="0"/>
-              <a:t>Índice de Atividade Econômica do Banco Central - </a:t>
-            </a:r>
-            <a:r>
-              <a:rPr lang="pt-BR" dirty="0" smtClean="0"/>
-              <a:t>IBC-</a:t>
-            </a:r>
-            <a:r>
-              <a:rPr lang="pt-BR" dirty="0" err="1" smtClean="0"/>
-              <a:t>Br</a:t>
-            </a:r>
-            <a:r>
-              <a:rPr lang="pt-BR" dirty="0" smtClean="0"/>
-              <a:t>”, demonstrando que com </a:t>
-            </a:r>
-            <a:r>
-              <a:rPr lang="pt-BR" dirty="0"/>
-              <a:t>essa combinação </a:t>
-            </a:r>
-            <a:r>
-              <a:rPr lang="pt-BR" dirty="0" smtClean="0"/>
-              <a:t>podemos melhorar a </a:t>
-            </a:r>
-            <a:r>
-              <a:rPr lang="pt-BR" dirty="0"/>
-              <a:t>análise de </a:t>
-            </a:r>
-            <a:r>
-              <a:rPr lang="pt-BR" dirty="0" smtClean="0"/>
-              <a:t>dados.</a:t>
+              <a:t>desempenho dos setores da economia.</a:t>
             </a:r>
             <a:endParaRPr dirty="0"/>
           </a:p>
